--- a/2017/June/Be A Good Coding Citizen - Dont Create Code For Yourself.pptx
+++ b/2017/June/Be A Good Coding Citizen - Dont Create Code For Yourself.pptx
@@ -302,7 +302,7 @@
           <a:p>
             <a:fld id="{96DFF08F-DC6B-4601-B491-B0F83F6DD2DA}" type="datetimeFigureOut">
               <a:rPr lang="en-US" dirty="0"/>
-              <a:t>6/19/2017</a:t>
+              <a:t>6/20/2017</a:t>
             </a:fld>
             <a:endParaRPr lang="en-US" dirty="0"/>
           </a:p>
@@ -467,7 +467,7 @@
           <a:p>
             <a:fld id="{96DFF08F-DC6B-4601-B491-B0F83F6DD2DA}" type="datetimeFigureOut">
               <a:rPr lang="en-US" dirty="0"/>
-              <a:t>6/19/2017</a:t>
+              <a:t>6/20/2017</a:t>
             </a:fld>
             <a:endParaRPr lang="en-US" dirty="0"/>
           </a:p>
@@ -685,7 +685,7 @@
           <a:p>
             <a:fld id="{96DFF08F-DC6B-4601-B491-B0F83F6DD2DA}" type="datetimeFigureOut">
               <a:rPr lang="en-US" dirty="0"/>
-              <a:t>6/19/2017</a:t>
+              <a:t>6/20/2017</a:t>
             </a:fld>
             <a:endParaRPr lang="en-US" dirty="0"/>
           </a:p>
@@ -860,7 +860,7 @@
           <a:p>
             <a:fld id="{96DFF08F-DC6B-4601-B491-B0F83F6DD2DA}" type="datetimeFigureOut">
               <a:rPr lang="en-US" dirty="0"/>
-              <a:t>6/19/2017</a:t>
+              <a:t>6/20/2017</a:t>
             </a:fld>
             <a:endParaRPr lang="en-US" dirty="0"/>
           </a:p>
@@ -1162,7 +1162,7 @@
             <a:fld id="{96DFF08F-DC6B-4601-B491-B0F83F6DD2DA}" type="datetimeFigureOut">
               <a:rPr lang="en-US" dirty="0"/>
               <a:pPr/>
-              <a:t>6/19/2017</a:t>
+              <a:t>6/20/2017</a:t>
             </a:fld>
             <a:endParaRPr lang="en-US" dirty="0"/>
           </a:p>
@@ -1462,7 +1462,7 @@
           <a:p>
             <a:fld id="{96DFF08F-DC6B-4601-B491-B0F83F6DD2DA}" type="datetimeFigureOut">
               <a:rPr lang="en-US" dirty="0"/>
-              <a:t>6/19/2017</a:t>
+              <a:t>6/20/2017</a:t>
             </a:fld>
             <a:endParaRPr lang="en-US" dirty="0"/>
           </a:p>
@@ -1879,7 +1879,7 @@
           <a:p>
             <a:fld id="{96DFF08F-DC6B-4601-B491-B0F83F6DD2DA}" type="datetimeFigureOut">
               <a:rPr lang="en-US" dirty="0"/>
-              <a:t>6/19/2017</a:t>
+              <a:t>6/20/2017</a:t>
             </a:fld>
             <a:endParaRPr lang="en-US" dirty="0"/>
           </a:p>
@@ -1992,7 +1992,7 @@
           <a:p>
             <a:fld id="{96DFF08F-DC6B-4601-B491-B0F83F6DD2DA}" type="datetimeFigureOut">
               <a:rPr lang="en-US" dirty="0"/>
-              <a:t>6/19/2017</a:t>
+              <a:t>6/20/2017</a:t>
             </a:fld>
             <a:endParaRPr lang="en-US" dirty="0"/>
           </a:p>
@@ -2082,7 +2082,7 @@
           <a:p>
             <a:fld id="{96DFF08F-DC6B-4601-B491-B0F83F6DD2DA}" type="datetimeFigureOut">
               <a:rPr lang="en-US" dirty="0"/>
-              <a:t>6/19/2017</a:t>
+              <a:t>6/20/2017</a:t>
             </a:fld>
             <a:endParaRPr lang="en-US" dirty="0"/>
           </a:p>
@@ -2350,7 +2350,7 @@
           <a:p>
             <a:fld id="{96DFF08F-DC6B-4601-B491-B0F83F6DD2DA}" type="datetimeFigureOut">
               <a:rPr lang="en-US" dirty="0"/>
-              <a:t>6/19/2017</a:t>
+              <a:t>6/20/2017</a:t>
             </a:fld>
             <a:endParaRPr lang="en-US" dirty="0"/>
           </a:p>
@@ -2610,7 +2610,7 @@
           <a:p>
             <a:fld id="{96DFF08F-DC6B-4601-B491-B0F83F6DD2DA}" type="datetimeFigureOut">
               <a:rPr lang="en-US" dirty="0"/>
-              <a:t>6/19/2017</a:t>
+              <a:t>6/20/2017</a:t>
             </a:fld>
             <a:endParaRPr lang="en-US" dirty="0"/>
           </a:p>
@@ -2855,7 +2855,7 @@
             <a:fld id="{96DFF08F-DC6B-4601-B491-B0F83F6DD2DA}" type="datetimeFigureOut">
               <a:rPr lang="en-US" dirty="0"/>
               <a:pPr/>
-              <a:t>6/19/2017</a:t>
+              <a:t>6/20/2017</a:t>
             </a:fld>
             <a:endParaRPr lang="en-US" dirty="0"/>
           </a:p>
@@ -3338,7 +3338,7 @@
           <a:p>
             <a:r>
               <a:rPr lang="en-GB" sz="4800" dirty="0"/>
-              <a:t>write </a:t>
+              <a:t>coding </a:t>
             </a:r>
             <a:r>
               <a:rPr lang="en-GB" sz="4800" dirty="0" err="1"/>
@@ -4398,7 +4398,7 @@
         </p:spPr>
         <p:txBody>
           <a:bodyPr>
-            <a:normAutofit fontScale="47500" lnSpcReduction="20000"/>
+            <a:normAutofit fontScale="40000" lnSpcReduction="20000"/>
           </a:bodyPr>
           <a:lstStyle/>
           <a:p>
@@ -4506,6 +4506,17 @@
                 <a:sym typeface="Wingdings" panose="05000000000000000000" pitchFamily="2" charset="2"/>
               </a:rPr>
               <a:t> theme (users will demand the same experience throughout PowerShell)</a:t>
+            </a:r>
+          </a:p>
+          <a:p>
+            <a:pPr marL="0" indent="0">
+              <a:buNone/>
+            </a:pPr>
+            <a:r>
+              <a:rPr lang="en-GB" sz="3200" b="1" dirty="0">
+                <a:sym typeface="Wingdings" panose="05000000000000000000" pitchFamily="2" charset="2"/>
+              </a:rPr>
+              <a:t>Write Tools not scripts</a:t>
             </a:r>
           </a:p>
           <a:p>
@@ -5617,6 +5628,67 @@
                       </p:childTnLst>
                     </p:cTn>
                   </p:par>
+                  <p:par>
+                    <p:cTn id="78" fill="hold">
+                      <p:stCondLst>
+                        <p:cond delay="indefinite"/>
+                      </p:stCondLst>
+                      <p:childTnLst>
+                        <p:par>
+                          <p:cTn id="79" fill="hold">
+                            <p:stCondLst>
+                              <p:cond delay="0"/>
+                            </p:stCondLst>
+                            <p:childTnLst>
+                              <p:par>
+                                <p:cTn id="80" presetID="10" presetClass="entr" presetSubtype="0" fill="hold" nodeType="clickEffect">
+                                  <p:stCondLst>
+                                    <p:cond delay="0"/>
+                                  </p:stCondLst>
+                                  <p:childTnLst>
+                                    <p:set>
+                                      <p:cBhvr>
+                                        <p:cTn id="81" dur="1" fill="hold">
+                                          <p:stCondLst>
+                                            <p:cond delay="0"/>
+                                          </p:stCondLst>
+                                        </p:cTn>
+                                        <p:tgtEl>
+                                          <p:spTgt spid="3">
+                                            <p:txEl>
+                                              <p:pRg st="15" end="15"/>
+                                            </p:txEl>
+                                          </p:spTgt>
+                                        </p:tgtEl>
+                                        <p:attrNameLst>
+                                          <p:attrName>style.visibility</p:attrName>
+                                        </p:attrNameLst>
+                                      </p:cBhvr>
+                                      <p:to>
+                                        <p:strVal val="visible"/>
+                                      </p:to>
+                                    </p:set>
+                                    <p:animEffect transition="in" filter="fade">
+                                      <p:cBhvr>
+                                        <p:cTn id="82" dur="500"/>
+                                        <p:tgtEl>
+                                          <p:spTgt spid="3">
+                                            <p:txEl>
+                                              <p:pRg st="15" end="15"/>
+                                            </p:txEl>
+                                          </p:spTgt>
+                                        </p:tgtEl>
+                                      </p:cBhvr>
+                                    </p:animEffect>
+                                  </p:childTnLst>
+                                </p:cTn>
+                              </p:par>
+                            </p:childTnLst>
+                          </p:cTn>
+                        </p:par>
+                      </p:childTnLst>
+                    </p:cTn>
+                  </p:par>
                 </p:childTnLst>
               </p:cTn>
               <p:prevCondLst>

--- a/2017/June/Be A Good Coding Citizen - Dont Create Code For Yourself.pptx
+++ b/2017/June/Be A Good Coding Citizen - Dont Create Code For Yourself.pptx
@@ -10,12 +10,14 @@
     <p:sldId id="276" r:id="rId4"/>
     <p:sldId id="262" r:id="rId5"/>
     <p:sldId id="263" r:id="rId6"/>
-    <p:sldId id="267" r:id="rId7"/>
-    <p:sldId id="270" r:id="rId8"/>
-    <p:sldId id="271" r:id="rId9"/>
-    <p:sldId id="269" r:id="rId10"/>
-    <p:sldId id="274" r:id="rId11"/>
-    <p:sldId id="273" r:id="rId12"/>
+    <p:sldId id="277" r:id="rId7"/>
+    <p:sldId id="278" r:id="rId8"/>
+    <p:sldId id="267" r:id="rId9"/>
+    <p:sldId id="270" r:id="rId10"/>
+    <p:sldId id="271" r:id="rId11"/>
+    <p:sldId id="269" r:id="rId12"/>
+    <p:sldId id="274" r:id="rId13"/>
+    <p:sldId id="273" r:id="rId14"/>
   </p:sldIdLst>
   <p:sldSz cx="12192000" cy="6858000"/>
   <p:notesSz cx="6858000" cy="9144000"/>
@@ -302,7 +304,7 @@
           <a:p>
             <a:fld id="{96DFF08F-DC6B-4601-B491-B0F83F6DD2DA}" type="datetimeFigureOut">
               <a:rPr lang="en-US" dirty="0"/>
-              <a:t>6/20/2017</a:t>
+              <a:t>6/21/2017</a:t>
             </a:fld>
             <a:endParaRPr lang="en-US" dirty="0"/>
           </a:p>
@@ -467,7 +469,7 @@
           <a:p>
             <a:fld id="{96DFF08F-DC6B-4601-B491-B0F83F6DD2DA}" type="datetimeFigureOut">
               <a:rPr lang="en-US" dirty="0"/>
-              <a:t>6/20/2017</a:t>
+              <a:t>6/21/2017</a:t>
             </a:fld>
             <a:endParaRPr lang="en-US" dirty="0"/>
           </a:p>
@@ -685,7 +687,7 @@
           <a:p>
             <a:fld id="{96DFF08F-DC6B-4601-B491-B0F83F6DD2DA}" type="datetimeFigureOut">
               <a:rPr lang="en-US" dirty="0"/>
-              <a:t>6/20/2017</a:t>
+              <a:t>6/21/2017</a:t>
             </a:fld>
             <a:endParaRPr lang="en-US" dirty="0"/>
           </a:p>
@@ -860,7 +862,7 @@
           <a:p>
             <a:fld id="{96DFF08F-DC6B-4601-B491-B0F83F6DD2DA}" type="datetimeFigureOut">
               <a:rPr lang="en-US" dirty="0"/>
-              <a:t>6/20/2017</a:t>
+              <a:t>6/21/2017</a:t>
             </a:fld>
             <a:endParaRPr lang="en-US" dirty="0"/>
           </a:p>
@@ -1162,7 +1164,7 @@
             <a:fld id="{96DFF08F-DC6B-4601-B491-B0F83F6DD2DA}" type="datetimeFigureOut">
               <a:rPr lang="en-US" dirty="0"/>
               <a:pPr/>
-              <a:t>6/20/2017</a:t>
+              <a:t>6/21/2017</a:t>
             </a:fld>
             <a:endParaRPr lang="en-US" dirty="0"/>
           </a:p>
@@ -1462,7 +1464,7 @@
           <a:p>
             <a:fld id="{96DFF08F-DC6B-4601-B491-B0F83F6DD2DA}" type="datetimeFigureOut">
               <a:rPr lang="en-US" dirty="0"/>
-              <a:t>6/20/2017</a:t>
+              <a:t>6/21/2017</a:t>
             </a:fld>
             <a:endParaRPr lang="en-US" dirty="0"/>
           </a:p>
@@ -1879,7 +1881,7 @@
           <a:p>
             <a:fld id="{96DFF08F-DC6B-4601-B491-B0F83F6DD2DA}" type="datetimeFigureOut">
               <a:rPr lang="en-US" dirty="0"/>
-              <a:t>6/20/2017</a:t>
+              <a:t>6/21/2017</a:t>
             </a:fld>
             <a:endParaRPr lang="en-US" dirty="0"/>
           </a:p>
@@ -1992,7 +1994,7 @@
           <a:p>
             <a:fld id="{96DFF08F-DC6B-4601-B491-B0F83F6DD2DA}" type="datetimeFigureOut">
               <a:rPr lang="en-US" dirty="0"/>
-              <a:t>6/20/2017</a:t>
+              <a:t>6/21/2017</a:t>
             </a:fld>
             <a:endParaRPr lang="en-US" dirty="0"/>
           </a:p>
@@ -2082,7 +2084,7 @@
           <a:p>
             <a:fld id="{96DFF08F-DC6B-4601-B491-B0F83F6DD2DA}" type="datetimeFigureOut">
               <a:rPr lang="en-US" dirty="0"/>
-              <a:t>6/20/2017</a:t>
+              <a:t>6/21/2017</a:t>
             </a:fld>
             <a:endParaRPr lang="en-US" dirty="0"/>
           </a:p>
@@ -2350,7 +2352,7 @@
           <a:p>
             <a:fld id="{96DFF08F-DC6B-4601-B491-B0F83F6DD2DA}" type="datetimeFigureOut">
               <a:rPr lang="en-US" dirty="0"/>
-              <a:t>6/20/2017</a:t>
+              <a:t>6/21/2017</a:t>
             </a:fld>
             <a:endParaRPr lang="en-US" dirty="0"/>
           </a:p>
@@ -2610,7 +2612,7 @@
           <a:p>
             <a:fld id="{96DFF08F-DC6B-4601-B491-B0F83F6DD2DA}" type="datetimeFigureOut">
               <a:rPr lang="en-US" dirty="0"/>
-              <a:t>6/20/2017</a:t>
+              <a:t>6/21/2017</a:t>
             </a:fld>
             <a:endParaRPr lang="en-US" dirty="0"/>
           </a:p>
@@ -2855,7 +2857,7 @@
             <a:fld id="{96DFF08F-DC6B-4601-B491-B0F83F6DD2DA}" type="datetimeFigureOut">
               <a:rPr lang="en-US" dirty="0"/>
               <a:pPr/>
-              <a:t>6/20/2017</a:t>
+              <a:t>6/21/2017</a:t>
             </a:fld>
             <a:endParaRPr lang="en-US" dirty="0"/>
           </a:p>
@@ -3377,6 +3379,10 @@
               <a:rPr lang="en-GB" sz="2800" b="1" dirty="0"/>
               <a:t>Paul Broadwith</a:t>
             </a:r>
+            <a:r>
+              <a:rPr lang="en-GB" sz="2800" b="1" i="1" dirty="0"/>
+              <a:t/>
+            </a:r>
             <a:br>
               <a:rPr lang="en-GB" sz="2800" b="1" i="1" dirty="0"/>
             </a:br>
@@ -3387,6 +3393,10 @@
             <a:r>
               <a:rPr lang="en-GB" sz="2200" b="1" dirty="0" err="1"/>
               <a:t>pauby</a:t>
+            </a:r>
+            <a:r>
+              <a:rPr lang="en-GB" sz="2200" b="1" dirty="0"/>
+              <a:t/>
             </a:r>
             <a:br>
               <a:rPr lang="en-GB" sz="2200" b="1" dirty="0"/>
@@ -3454,7 +3464,7 @@
           <p:cNvPr id="6" name="TextBox 5">
             <a:extLst>
               <a:ext uri="{FF2B5EF4-FFF2-40B4-BE49-F238E27FC236}">
-                <a16:creationId xmlns:a16="http://schemas.microsoft.com/office/drawing/2014/main" id="{99CCD450-DD9B-4828-93DF-5818358510D7}"/>
+                <a16:creationId xmlns:a16="http://schemas.microsoft.com/office/drawing/2014/main" xmlns="" id="{99CCD450-DD9B-4828-93DF-5818358510D7}"/>
               </a:ext>
             </a:extLst>
           </p:cNvPr>
@@ -3504,6 +3514,318 @@
 </file>
 
 <file path=ppt/slides/slide10.xml><?xml version="1.0" encoding="utf-8"?>
+<p:sld xmlns:a="http://schemas.openxmlformats.org/drawingml/2006/main" xmlns:r="http://schemas.openxmlformats.org/officeDocument/2006/relationships" xmlns:p="http://schemas.openxmlformats.org/presentationml/2006/main">
+  <p:cSld>
+    <p:bg>
+      <p:bgPr>
+        <a:solidFill>
+          <a:srgbClr val="0072C6"/>
+        </a:solidFill>
+        <a:effectLst/>
+      </p:bgPr>
+    </p:bg>
+    <p:spTree>
+      <p:nvGrpSpPr>
+        <p:cNvPr id="1" name=""/>
+        <p:cNvGrpSpPr/>
+        <p:nvPr/>
+      </p:nvGrpSpPr>
+      <p:grpSpPr>
+        <a:xfrm>
+          <a:off x="0" y="0"/>
+          <a:ext cx="0" cy="0"/>
+          <a:chOff x="0" y="0"/>
+          <a:chExt cx="0" cy="0"/>
+        </a:xfrm>
+      </p:grpSpPr>
+      <p:sp>
+        <p:nvSpPr>
+          <p:cNvPr id="2" name="Title 1"/>
+          <p:cNvSpPr>
+            <a:spLocks noGrp="1"/>
+          </p:cNvSpPr>
+          <p:nvPr>
+            <p:ph type="title"/>
+          </p:nvPr>
+        </p:nvSpPr>
+        <p:spPr>
+          <a:xfrm>
+            <a:off x="2043953" y="284176"/>
+            <a:ext cx="8943046" cy="1508760"/>
+          </a:xfrm>
+        </p:spPr>
+        <p:txBody>
+          <a:bodyPr/>
+          <a:lstStyle/>
+          <a:p>
+            <a:r>
+              <a:rPr lang="en-GB" dirty="0"/>
+              <a:t>recurrence</a:t>
+            </a:r>
+          </a:p>
+        </p:txBody>
+      </p:sp>
+      <p:sp>
+        <p:nvSpPr>
+          <p:cNvPr id="3" name="Content Placeholder 2"/>
+          <p:cNvSpPr>
+            <a:spLocks noGrp="1"/>
+          </p:cNvSpPr>
+          <p:nvPr>
+            <p:ph idx="1"/>
+          </p:nvPr>
+        </p:nvSpPr>
+        <p:spPr>
+          <a:xfrm>
+            <a:off x="346841" y="2011679"/>
+            <a:ext cx="11582400" cy="4483713"/>
+          </a:xfrm>
+        </p:spPr>
+        <p:txBody>
+          <a:bodyPr>
+            <a:normAutofit/>
+          </a:bodyPr>
+          <a:lstStyle/>
+          <a:p>
+            <a:r>
+              <a:rPr lang="en-GB" sz="3600" dirty="0"/>
+              <a:t>Recurring tasks should be in a module</a:t>
+            </a:r>
+          </a:p>
+          <a:p>
+            <a:endParaRPr lang="en-GB" sz="3600" dirty="0"/>
+          </a:p>
+          <a:p>
+            <a:pPr marL="0" indent="0">
+              <a:buNone/>
+            </a:pPr>
+            <a:r>
+              <a:rPr lang="en-GB" sz="3600" dirty="0"/>
+              <a:t>Ongoing discussions with leaders from all groups around co-ordinating activities under one organisation, but remaining locally independent</a:t>
+            </a:r>
+          </a:p>
+        </p:txBody>
+      </p:sp>
+      <p:pic>
+        <p:nvPicPr>
+          <p:cNvPr id="4" name="Picture 2" descr="https://www.powershellgallery.com/Content/Images/packageDefaultIcon.png"/>
+          <p:cNvPicPr>
+            <a:picLocks noChangeAspect="1" noChangeArrowheads="1"/>
+          </p:cNvPicPr>
+          <p:nvPr/>
+        </p:nvPicPr>
+        <p:blipFill>
+          <a:blip r:embed="rId2">
+            <a:extLst>
+              <a:ext uri="{28A0092B-C50C-407E-A947-70E740481C1C}">
+                <a14:useLocalDpi xmlns:a14="http://schemas.microsoft.com/office/drawing/2010/main" val="0"/>
+              </a:ext>
+            </a:extLst>
+          </a:blip>
+          <a:srcRect/>
+          <a:stretch>
+            <a:fillRect/>
+          </a:stretch>
+        </p:blipFill>
+        <p:spPr bwMode="auto">
+          <a:xfrm>
+            <a:off x="83856" y="61397"/>
+            <a:ext cx="1731538" cy="1731539"/>
+          </a:xfrm>
+          <a:prstGeom prst="rect">
+            <a:avLst/>
+          </a:prstGeom>
+          <a:noFill/>
+          <a:extLst>
+            <a:ext uri="{909E8E84-426E-40DD-AFC4-6F175D3DCCD1}">
+              <a14:hiddenFill xmlns:a14="http://schemas.microsoft.com/office/drawing/2010/main">
+                <a:solidFill>
+                  <a:srgbClr val="FFFFFF"/>
+                </a:solidFill>
+              </a14:hiddenFill>
+            </a:ext>
+          </a:extLst>
+        </p:spPr>
+      </p:pic>
+    </p:spTree>
+    <p:extLst>
+      <p:ext uri="{BB962C8B-B14F-4D97-AF65-F5344CB8AC3E}">
+        <p14:creationId xmlns:p14="http://schemas.microsoft.com/office/powerpoint/2010/main" val="3194991233"/>
+      </p:ext>
+    </p:extLst>
+  </p:cSld>
+  <p:clrMapOvr>
+    <a:masterClrMapping/>
+  </p:clrMapOvr>
+</p:sld>
+</file>
+
+<file path=ppt/slides/slide11.xml><?xml version="1.0" encoding="utf-8"?>
+<p:sld xmlns:a="http://schemas.openxmlformats.org/drawingml/2006/main" xmlns:r="http://schemas.openxmlformats.org/officeDocument/2006/relationships" xmlns:p="http://schemas.openxmlformats.org/presentationml/2006/main">
+  <p:cSld>
+    <p:bg>
+      <p:bgPr>
+        <a:solidFill>
+          <a:srgbClr val="0072C6"/>
+        </a:solidFill>
+        <a:effectLst/>
+      </p:bgPr>
+    </p:bg>
+    <p:spTree>
+      <p:nvGrpSpPr>
+        <p:cNvPr id="1" name=""/>
+        <p:cNvGrpSpPr/>
+        <p:nvPr/>
+      </p:nvGrpSpPr>
+      <p:grpSpPr>
+        <a:xfrm>
+          <a:off x="0" y="0"/>
+          <a:ext cx="0" cy="0"/>
+          <a:chOff x="0" y="0"/>
+          <a:chExt cx="0" cy="0"/>
+        </a:xfrm>
+      </p:grpSpPr>
+      <p:sp>
+        <p:nvSpPr>
+          <p:cNvPr id="2" name="Title 1"/>
+          <p:cNvSpPr>
+            <a:spLocks noGrp="1"/>
+          </p:cNvSpPr>
+          <p:nvPr>
+            <p:ph type="title"/>
+          </p:nvPr>
+        </p:nvSpPr>
+        <p:spPr>
+          <a:xfrm>
+            <a:off x="2043953" y="284176"/>
+            <a:ext cx="8943046" cy="1508760"/>
+          </a:xfrm>
+        </p:spPr>
+        <p:txBody>
+          <a:bodyPr/>
+          <a:lstStyle/>
+          <a:p>
+            <a:r>
+              <a:rPr lang="en-GB" dirty="0"/>
+              <a:t>Why use modules?</a:t>
+            </a:r>
+          </a:p>
+        </p:txBody>
+      </p:sp>
+      <p:sp>
+        <p:nvSpPr>
+          <p:cNvPr id="3" name="Content Placeholder 2"/>
+          <p:cNvSpPr>
+            <a:spLocks noGrp="1"/>
+          </p:cNvSpPr>
+          <p:nvPr>
+            <p:ph idx="1"/>
+          </p:nvPr>
+        </p:nvSpPr>
+        <p:spPr>
+          <a:xfrm>
+            <a:off x="346841" y="2011679"/>
+            <a:ext cx="11582400" cy="4483713"/>
+          </a:xfrm>
+        </p:spPr>
+        <p:txBody>
+          <a:bodyPr>
+            <a:normAutofit/>
+          </a:bodyPr>
+          <a:lstStyle/>
+          <a:p>
+            <a:r>
+              <a:rPr lang="en-GB" sz="3400" b="1" strike="sngStrike" dirty="0"/>
+              <a:t>Sponsor</a:t>
+            </a:r>
+            <a:r>
+              <a:rPr lang="en-GB" sz="3400" b="1" dirty="0"/>
+              <a:t> – we have one!</a:t>
+            </a:r>
+          </a:p>
+          <a:p>
+            <a:pPr lvl="1"/>
+            <a:r>
+              <a:rPr lang="en-GB" sz="3200" b="1" dirty="0"/>
+              <a:t>Without one it will cost around £150 to host each meetup</a:t>
+            </a:r>
+          </a:p>
+          <a:p>
+            <a:r>
+              <a:rPr lang="en-GB" sz="3400" b="1" dirty="0"/>
+              <a:t>Speakers</a:t>
+            </a:r>
+          </a:p>
+          <a:p>
+            <a:pPr lvl="1"/>
+            <a:r>
+              <a:rPr lang="en-GB" sz="3200" b="1" dirty="0"/>
+              <a:t>Some lined up, discussions ongoing</a:t>
+            </a:r>
+          </a:p>
+          <a:p>
+            <a:r>
+              <a:rPr lang="en-GB" sz="3400" b="1" dirty="0"/>
+              <a:t>At least one person, ideally two, to help me run the group</a:t>
+            </a:r>
+          </a:p>
+        </p:txBody>
+      </p:sp>
+      <p:pic>
+        <p:nvPicPr>
+          <p:cNvPr id="4" name="Picture 2" descr="https://www.powershellgallery.com/Content/Images/packageDefaultIcon.png"/>
+          <p:cNvPicPr>
+            <a:picLocks noChangeAspect="1" noChangeArrowheads="1"/>
+          </p:cNvPicPr>
+          <p:nvPr/>
+        </p:nvPicPr>
+        <p:blipFill>
+          <a:blip r:embed="rId2">
+            <a:extLst>
+              <a:ext uri="{28A0092B-C50C-407E-A947-70E740481C1C}">
+                <a14:useLocalDpi xmlns:a14="http://schemas.microsoft.com/office/drawing/2010/main" val="0"/>
+              </a:ext>
+            </a:extLst>
+          </a:blip>
+          <a:srcRect/>
+          <a:stretch>
+            <a:fillRect/>
+          </a:stretch>
+        </p:blipFill>
+        <p:spPr bwMode="auto">
+          <a:xfrm>
+            <a:off x="83856" y="61397"/>
+            <a:ext cx="1731538" cy="1731539"/>
+          </a:xfrm>
+          <a:prstGeom prst="rect">
+            <a:avLst/>
+          </a:prstGeom>
+          <a:noFill/>
+          <a:extLst>
+            <a:ext uri="{909E8E84-426E-40DD-AFC4-6F175D3DCCD1}">
+              <a14:hiddenFill xmlns:a14="http://schemas.microsoft.com/office/drawing/2010/main">
+                <a:solidFill>
+                  <a:srgbClr val="FFFFFF"/>
+                </a:solidFill>
+              </a14:hiddenFill>
+            </a:ext>
+          </a:extLst>
+        </p:spPr>
+      </p:pic>
+    </p:spTree>
+    <p:extLst>
+      <p:ext uri="{BB962C8B-B14F-4D97-AF65-F5344CB8AC3E}">
+        <p14:creationId xmlns:p14="http://schemas.microsoft.com/office/powerpoint/2010/main" val="3074647097"/>
+      </p:ext>
+    </p:extLst>
+  </p:cSld>
+  <p:clrMapOvr>
+    <a:masterClrMapping/>
+  </p:clrMapOvr>
+</p:sld>
+</file>
+
+<file path=ppt/slides/slide12.xml><?xml version="1.0" encoding="utf-8"?>
 <p:sld xmlns:a="http://schemas.openxmlformats.org/drawingml/2006/main" xmlns:r="http://schemas.openxmlformats.org/officeDocument/2006/relationships" xmlns:p="http://schemas.openxmlformats.org/presentationml/2006/main">
   <p:cSld>
     <p:bg>
@@ -3650,7 +3972,7 @@
 </p:sld>
 </file>
 
-<file path=ppt/slides/slide11.xml><?xml version="1.0" encoding="utf-8"?>
+<file path=ppt/slides/slide13.xml><?xml version="1.0" encoding="utf-8"?>
 <p:sld xmlns:a="http://schemas.openxmlformats.org/drawingml/2006/main" xmlns:r="http://schemas.openxmlformats.org/officeDocument/2006/relationships" xmlns:p="http://schemas.openxmlformats.org/presentationml/2006/main">
   <p:cSld>
     <p:bg>
@@ -4398,7 +4720,7 @@
         </p:spPr>
         <p:txBody>
           <a:bodyPr>
-            <a:normAutofit fontScale="40000" lnSpcReduction="20000"/>
+            <a:normAutofit fontScale="25000" lnSpcReduction="20000"/>
           </a:bodyPr>
           <a:lstStyle/>
           <a:p>
@@ -4490,23 +4812,49 @@
               <a:buNone/>
             </a:pPr>
             <a:r>
-              <a:rPr lang="en-GB" sz="3200" b="1" dirty="0">
+              <a:rPr lang="en-GB" sz="3200" b="1" dirty="0" smtClean="0">
                 <a:sym typeface="Wingdings" panose="05000000000000000000" pitchFamily="2" charset="2"/>
               </a:rPr>
-              <a:t>Match the </a:t>
-            </a:r>
-            <a:r>
-              <a:rPr lang="en-GB" sz="3200" b="1" dirty="0" err="1">
+              <a:t>Pick a </a:t>
+            </a:r>
+            <a:r>
+              <a:rPr lang="en-GB" sz="3200" b="1" dirty="0" err="1" smtClean="0">
                 <a:sym typeface="Wingdings" panose="05000000000000000000" pitchFamily="2" charset="2"/>
               </a:rPr>
-              <a:t>PopwerShell</a:t>
-            </a:r>
-            <a:r>
-              <a:rPr lang="en-GB" sz="3200" b="1" dirty="0">
+              <a:t>sty;le</a:t>
+            </a:r>
+            <a:r>
+              <a:rPr lang="en-GB" sz="3200" b="1" dirty="0" smtClean="0">
                 <a:sym typeface="Wingdings" panose="05000000000000000000" pitchFamily="2" charset="2"/>
               </a:rPr>
-              <a:t> theme (users will demand the same experience throughout PowerShell)</a:t>
-            </a:r>
+              <a:t> and stick to it</a:t>
+            </a:r>
+          </a:p>
+          <a:p>
+            <a:pPr marL="0" indent="0">
+              <a:buNone/>
+            </a:pPr>
+            <a:r>
+              <a:rPr lang="en-GB" sz="3200" b="1" dirty="0" smtClean="0">
+                <a:sym typeface="Wingdings" panose="05000000000000000000" pitchFamily="2" charset="2"/>
+              </a:rPr>
+              <a:t>Don’t use $</a:t>
+            </a:r>
+            <a:r>
+              <a:rPr lang="en-GB" sz="3200" b="1" dirty="0" err="1" smtClean="0">
+                <a:sym typeface="Wingdings" panose="05000000000000000000" pitchFamily="2" charset="2"/>
+              </a:rPr>
+              <a:t>ErrorActionP</a:t>
+            </a:r>
+            <a:r>
+              <a:rPr lang="en-GB" sz="3200" b="1" dirty="0" err="1" smtClean="0">
+                <a:sym typeface="Wingdings" panose="05000000000000000000" pitchFamily="2" charset="2"/>
+              </a:rPr>
+              <a:t>reference</a:t>
+            </a:r>
+            <a:endParaRPr lang="en-GB" sz="3200" b="1" dirty="0">
+              <a:sym typeface="Wingdings" panose="05000000000000000000" pitchFamily="2" charset="2"/>
+            </a:endParaRPr>
           </a:p>
           <a:p>
             <a:pPr marL="0" indent="0">
@@ -4624,6 +4972,67 @@
                 <a:sym typeface="Wingdings" panose="05000000000000000000" pitchFamily="2" charset="2"/>
               </a:rPr>
               <a:t>Use Write-Progress</a:t>
+            </a:r>
+          </a:p>
+          <a:p>
+            <a:r>
+              <a:rPr lang="en-GB" sz="3400" b="1" dirty="0"/>
+              <a:t>Validation</a:t>
+            </a:r>
+          </a:p>
+          <a:p>
+            <a:pPr lvl="1"/>
+            <a:r>
+              <a:rPr lang="en-GB" sz="3200" b="1" dirty="0"/>
+              <a:t>Go through the Validation advanced </a:t>
+            </a:r>
+            <a:r>
+              <a:rPr lang="en-GB" sz="3200" b="1" dirty="0" err="1"/>
+              <a:t>params</a:t>
+            </a:r>
+            <a:endParaRPr lang="en-GB" sz="3200" b="1" dirty="0"/>
+          </a:p>
+          <a:p>
+            <a:pPr marL="228600" lvl="1" indent="0">
+              <a:buNone/>
+            </a:pPr>
+            <a:endParaRPr lang="en-GB" sz="3200" b="1" dirty="0"/>
+          </a:p>
+          <a:p>
+            <a:pPr marL="228600" lvl="1" indent="0">
+              <a:buNone/>
+            </a:pPr>
+            <a:r>
+              <a:rPr lang="en-GB" sz="3200" b="1" dirty="0"/>
+              <a:t>Errors </a:t>
+            </a:r>
+          </a:p>
+          <a:p>
+            <a:pPr lvl="1">
+              <a:buFont typeface="Arial" panose="020B0604020202020204" pitchFamily="34" charset="0"/>
+              <a:buChar char="•"/>
+            </a:pPr>
+            <a:r>
+              <a:rPr lang="en-GB" sz="3200" b="1" dirty="0"/>
+              <a:t>Use try/ catch only if you have something to add</a:t>
+            </a:r>
+          </a:p>
+          <a:p>
+            <a:pPr lvl="1">
+              <a:buFont typeface="Arial" panose="020B0604020202020204" pitchFamily="34" charset="0"/>
+              <a:buChar char="•"/>
+            </a:pPr>
+            <a:r>
+              <a:rPr lang="en-GB" sz="3200" b="1" dirty="0"/>
+              <a:t>Throw $error[0].</a:t>
+            </a:r>
+            <a:r>
+              <a:rPr lang="en-GB" sz="3200" b="1" dirty="0" err="1"/>
+              <a:t>exception.message</a:t>
+            </a:r>
+            <a:r>
+              <a:rPr lang="en-GB" sz="3200" b="1" dirty="0"/>
+              <a:t> may make the error worse and can hide where it happened</a:t>
             </a:r>
           </a:p>
           <a:p>
@@ -5689,6 +6098,372 @@
                       </p:childTnLst>
                     </p:cTn>
                   </p:par>
+                  <p:par>
+                    <p:cTn id="83" fill="hold">
+                      <p:stCondLst>
+                        <p:cond delay="indefinite"/>
+                      </p:stCondLst>
+                      <p:childTnLst>
+                        <p:par>
+                          <p:cTn id="84" fill="hold">
+                            <p:stCondLst>
+                              <p:cond delay="0"/>
+                            </p:stCondLst>
+                            <p:childTnLst>
+                              <p:par>
+                                <p:cTn id="85" presetID="10" presetClass="entr" presetSubtype="0" fill="hold" nodeType="clickEffect">
+                                  <p:stCondLst>
+                                    <p:cond delay="0"/>
+                                  </p:stCondLst>
+                                  <p:childTnLst>
+                                    <p:set>
+                                      <p:cBhvr>
+                                        <p:cTn id="86" dur="1" fill="hold">
+                                          <p:stCondLst>
+                                            <p:cond delay="0"/>
+                                          </p:stCondLst>
+                                        </p:cTn>
+                                        <p:tgtEl>
+                                          <p:spTgt spid="3">
+                                            <p:txEl>
+                                              <p:pRg st="16" end="16"/>
+                                            </p:txEl>
+                                          </p:spTgt>
+                                        </p:tgtEl>
+                                        <p:attrNameLst>
+                                          <p:attrName>style.visibility</p:attrName>
+                                        </p:attrNameLst>
+                                      </p:cBhvr>
+                                      <p:to>
+                                        <p:strVal val="visible"/>
+                                      </p:to>
+                                    </p:set>
+                                    <p:animEffect transition="in" filter="fade">
+                                      <p:cBhvr>
+                                        <p:cTn id="87" dur="500"/>
+                                        <p:tgtEl>
+                                          <p:spTgt spid="3">
+                                            <p:txEl>
+                                              <p:pRg st="16" end="16"/>
+                                            </p:txEl>
+                                          </p:spTgt>
+                                        </p:tgtEl>
+                                      </p:cBhvr>
+                                    </p:animEffect>
+                                  </p:childTnLst>
+                                </p:cTn>
+                              </p:par>
+                            </p:childTnLst>
+                          </p:cTn>
+                        </p:par>
+                      </p:childTnLst>
+                    </p:cTn>
+                  </p:par>
+                  <p:par>
+                    <p:cTn id="88" fill="hold">
+                      <p:stCondLst>
+                        <p:cond delay="indefinite"/>
+                      </p:stCondLst>
+                      <p:childTnLst>
+                        <p:par>
+                          <p:cTn id="89" fill="hold">
+                            <p:stCondLst>
+                              <p:cond delay="0"/>
+                            </p:stCondLst>
+                            <p:childTnLst>
+                              <p:par>
+                                <p:cTn id="90" presetID="10" presetClass="entr" presetSubtype="0" fill="hold" nodeType="clickEffect">
+                                  <p:stCondLst>
+                                    <p:cond delay="0"/>
+                                  </p:stCondLst>
+                                  <p:childTnLst>
+                                    <p:set>
+                                      <p:cBhvr>
+                                        <p:cTn id="91" dur="1" fill="hold">
+                                          <p:stCondLst>
+                                            <p:cond delay="0"/>
+                                          </p:stCondLst>
+                                        </p:cTn>
+                                        <p:tgtEl>
+                                          <p:spTgt spid="3">
+                                            <p:txEl>
+                                              <p:pRg st="17" end="17"/>
+                                            </p:txEl>
+                                          </p:spTgt>
+                                        </p:tgtEl>
+                                        <p:attrNameLst>
+                                          <p:attrName>style.visibility</p:attrName>
+                                        </p:attrNameLst>
+                                      </p:cBhvr>
+                                      <p:to>
+                                        <p:strVal val="visible"/>
+                                      </p:to>
+                                    </p:set>
+                                    <p:animEffect transition="in" filter="fade">
+                                      <p:cBhvr>
+                                        <p:cTn id="92" dur="500"/>
+                                        <p:tgtEl>
+                                          <p:spTgt spid="3">
+                                            <p:txEl>
+                                              <p:pRg st="17" end="17"/>
+                                            </p:txEl>
+                                          </p:spTgt>
+                                        </p:tgtEl>
+                                      </p:cBhvr>
+                                    </p:animEffect>
+                                  </p:childTnLst>
+                                </p:cTn>
+                              </p:par>
+                            </p:childTnLst>
+                          </p:cTn>
+                        </p:par>
+                      </p:childTnLst>
+                    </p:cTn>
+                  </p:par>
+                  <p:par>
+                    <p:cTn id="93" fill="hold">
+                      <p:stCondLst>
+                        <p:cond delay="indefinite"/>
+                      </p:stCondLst>
+                      <p:childTnLst>
+                        <p:par>
+                          <p:cTn id="94" fill="hold">
+                            <p:stCondLst>
+                              <p:cond delay="0"/>
+                            </p:stCondLst>
+                            <p:childTnLst>
+                              <p:par>
+                                <p:cTn id="95" presetID="10" presetClass="entr" presetSubtype="0" fill="hold" nodeType="clickEffect">
+                                  <p:stCondLst>
+                                    <p:cond delay="0"/>
+                                  </p:stCondLst>
+                                  <p:childTnLst>
+                                    <p:set>
+                                      <p:cBhvr>
+                                        <p:cTn id="96" dur="1" fill="hold">
+                                          <p:stCondLst>
+                                            <p:cond delay="0"/>
+                                          </p:stCondLst>
+                                        </p:cTn>
+                                        <p:tgtEl>
+                                          <p:spTgt spid="3">
+                                            <p:txEl>
+                                              <p:pRg st="18" end="18"/>
+                                            </p:txEl>
+                                          </p:spTgt>
+                                        </p:tgtEl>
+                                        <p:attrNameLst>
+                                          <p:attrName>style.visibility</p:attrName>
+                                        </p:attrNameLst>
+                                      </p:cBhvr>
+                                      <p:to>
+                                        <p:strVal val="visible"/>
+                                      </p:to>
+                                    </p:set>
+                                    <p:animEffect transition="in" filter="fade">
+                                      <p:cBhvr>
+                                        <p:cTn id="97" dur="500"/>
+                                        <p:tgtEl>
+                                          <p:spTgt spid="3">
+                                            <p:txEl>
+                                              <p:pRg st="18" end="18"/>
+                                            </p:txEl>
+                                          </p:spTgt>
+                                        </p:tgtEl>
+                                      </p:cBhvr>
+                                    </p:animEffect>
+                                  </p:childTnLst>
+                                </p:cTn>
+                              </p:par>
+                            </p:childTnLst>
+                          </p:cTn>
+                        </p:par>
+                      </p:childTnLst>
+                    </p:cTn>
+                  </p:par>
+                  <p:par>
+                    <p:cTn id="98" fill="hold">
+                      <p:stCondLst>
+                        <p:cond delay="indefinite"/>
+                      </p:stCondLst>
+                      <p:childTnLst>
+                        <p:par>
+                          <p:cTn id="99" fill="hold">
+                            <p:stCondLst>
+                              <p:cond delay="0"/>
+                            </p:stCondLst>
+                            <p:childTnLst>
+                              <p:par>
+                                <p:cTn id="100" presetID="10" presetClass="entr" presetSubtype="0" fill="hold" nodeType="clickEffect">
+                                  <p:stCondLst>
+                                    <p:cond delay="0"/>
+                                  </p:stCondLst>
+                                  <p:childTnLst>
+                                    <p:set>
+                                      <p:cBhvr>
+                                        <p:cTn id="101" dur="1" fill="hold">
+                                          <p:stCondLst>
+                                            <p:cond delay="0"/>
+                                          </p:stCondLst>
+                                        </p:cTn>
+                                        <p:tgtEl>
+                                          <p:spTgt spid="3">
+                                            <p:txEl>
+                                              <p:pRg st="20" end="20"/>
+                                            </p:txEl>
+                                          </p:spTgt>
+                                        </p:tgtEl>
+                                        <p:attrNameLst>
+                                          <p:attrName>style.visibility</p:attrName>
+                                        </p:attrNameLst>
+                                      </p:cBhvr>
+                                      <p:to>
+                                        <p:strVal val="visible"/>
+                                      </p:to>
+                                    </p:set>
+                                    <p:animEffect transition="in" filter="fade">
+                                      <p:cBhvr>
+                                        <p:cTn id="102" dur="500"/>
+                                        <p:tgtEl>
+                                          <p:spTgt spid="3">
+                                            <p:txEl>
+                                              <p:pRg st="20" end="20"/>
+                                            </p:txEl>
+                                          </p:spTgt>
+                                        </p:tgtEl>
+                                      </p:cBhvr>
+                                    </p:animEffect>
+                                  </p:childTnLst>
+                                </p:cTn>
+                              </p:par>
+                            </p:childTnLst>
+                          </p:cTn>
+                        </p:par>
+                      </p:childTnLst>
+                    </p:cTn>
+                  </p:par>
+                  <p:par>
+                    <p:cTn id="103" fill="hold">
+                      <p:stCondLst>
+                        <p:cond delay="indefinite"/>
+                      </p:stCondLst>
+                      <p:childTnLst>
+                        <p:par>
+                          <p:cTn id="104" fill="hold">
+                            <p:stCondLst>
+                              <p:cond delay="0"/>
+                            </p:stCondLst>
+                            <p:childTnLst>
+                              <p:par>
+                                <p:cTn id="105" presetID="10" presetClass="entr" presetSubtype="0" fill="hold" nodeType="clickEffect">
+                                  <p:stCondLst>
+                                    <p:cond delay="0"/>
+                                  </p:stCondLst>
+                                  <p:childTnLst>
+                                    <p:set>
+                                      <p:cBhvr>
+                                        <p:cTn id="106" dur="1" fill="hold">
+                                          <p:stCondLst>
+                                            <p:cond delay="0"/>
+                                          </p:stCondLst>
+                                        </p:cTn>
+                                        <p:tgtEl>
+                                          <p:spTgt spid="3">
+                                            <p:txEl>
+                                              <p:pRg st="21" end="21"/>
+                                            </p:txEl>
+                                          </p:spTgt>
+                                        </p:tgtEl>
+                                        <p:attrNameLst>
+                                          <p:attrName>style.visibility</p:attrName>
+                                        </p:attrNameLst>
+                                      </p:cBhvr>
+                                      <p:to>
+                                        <p:strVal val="visible"/>
+                                      </p:to>
+                                    </p:set>
+                                    <p:animEffect transition="in" filter="fade">
+                                      <p:cBhvr>
+                                        <p:cTn id="107" dur="500"/>
+                                        <p:tgtEl>
+                                          <p:spTgt spid="3">
+                                            <p:txEl>
+                                              <p:pRg st="21" end="21"/>
+                                            </p:txEl>
+                                          </p:spTgt>
+                                        </p:tgtEl>
+                                      </p:cBhvr>
+                                    </p:animEffect>
+                                  </p:childTnLst>
+                                </p:cTn>
+                              </p:par>
+                            </p:childTnLst>
+                          </p:cTn>
+                        </p:par>
+                      </p:childTnLst>
+                    </p:cTn>
+                  </p:par>
+                  <p:par>
+                    <p:cTn id="108" fill="hold">
+                      <p:stCondLst>
+                        <p:cond delay="indefinite"/>
+                      </p:stCondLst>
+                      <p:childTnLst>
+                        <p:par>
+                          <p:cTn id="109" fill="hold">
+                            <p:stCondLst>
+                              <p:cond delay="0"/>
+                            </p:stCondLst>
+                            <p:childTnLst>
+                              <p:par>
+                                <p:cTn id="110" presetID="10" presetClass="entr" presetSubtype="0" fill="hold" nodeType="clickEffect">
+                                  <p:stCondLst>
+                                    <p:cond delay="0"/>
+                                  </p:stCondLst>
+                                  <p:childTnLst>
+                                    <p:set>
+                                      <p:cBhvr>
+                                        <p:cTn id="111" dur="1" fill="hold">
+                                          <p:stCondLst>
+                                            <p:cond delay="0"/>
+                                          </p:stCondLst>
+                                        </p:cTn>
+                                        <p:tgtEl>
+                                          <p:spTgt spid="3">
+                                            <p:txEl>
+                                              <p:pRg st="22" end="22"/>
+                                            </p:txEl>
+                                          </p:spTgt>
+                                        </p:tgtEl>
+                                        <p:attrNameLst>
+                                          <p:attrName>style.visibility</p:attrName>
+                                        </p:attrNameLst>
+                                      </p:cBhvr>
+                                      <p:to>
+                                        <p:strVal val="visible"/>
+                                      </p:to>
+                                    </p:set>
+                                    <p:animEffect transition="in" filter="fade">
+                                      <p:cBhvr>
+                                        <p:cTn id="112" dur="500"/>
+                                        <p:tgtEl>
+                                          <p:spTgt spid="3">
+                                            <p:txEl>
+                                              <p:pRg st="22" end="22"/>
+                                            </p:txEl>
+                                          </p:spTgt>
+                                        </p:tgtEl>
+                                      </p:cBhvr>
+                                    </p:animEffect>
+                                  </p:childTnLst>
+                                </p:cTn>
+                              </p:par>
+                            </p:childTnLst>
+                          </p:cTn>
+                        </p:par>
+                      </p:childTnLst>
+                    </p:cTn>
+                  </p:par>
                 </p:childTnLst>
               </p:cTn>
               <p:prevCondLst>
@@ -5715,6 +6490,1426 @@
 </file>
 
 <file path=ppt/slides/slide6.xml><?xml version="1.0" encoding="utf-8"?>
+<p:sld xmlns:a="http://schemas.openxmlformats.org/drawingml/2006/main" xmlns:r="http://schemas.openxmlformats.org/officeDocument/2006/relationships" xmlns:p="http://schemas.openxmlformats.org/presentationml/2006/main">
+  <p:cSld>
+    <p:bg>
+      <p:bgPr>
+        <a:solidFill>
+          <a:srgbClr val="0072C6"/>
+        </a:solidFill>
+        <a:effectLst/>
+      </p:bgPr>
+    </p:bg>
+    <p:spTree>
+      <p:nvGrpSpPr>
+        <p:cNvPr id="1" name=""/>
+        <p:cNvGrpSpPr/>
+        <p:nvPr/>
+      </p:nvGrpSpPr>
+      <p:grpSpPr>
+        <a:xfrm>
+          <a:off x="0" y="0"/>
+          <a:ext cx="0" cy="0"/>
+          <a:chOff x="0" y="0"/>
+          <a:chExt cx="0" cy="0"/>
+        </a:xfrm>
+      </p:grpSpPr>
+      <p:sp>
+        <p:nvSpPr>
+          <p:cNvPr id="2" name="Title 1"/>
+          <p:cNvSpPr>
+            <a:spLocks noGrp="1"/>
+          </p:cNvSpPr>
+          <p:nvPr>
+            <p:ph type="title"/>
+          </p:nvPr>
+        </p:nvSpPr>
+        <p:spPr>
+          <a:xfrm>
+            <a:off x="2043953" y="284176"/>
+            <a:ext cx="8943046" cy="1508760"/>
+          </a:xfrm>
+        </p:spPr>
+        <p:txBody>
+          <a:bodyPr/>
+          <a:lstStyle/>
+          <a:p>
+            <a:r>
+              <a:rPr lang="en-GB" dirty="0" smtClean="0"/>
+              <a:t>10 do’s and don’t of </a:t>
+            </a:r>
+            <a:r>
+              <a:rPr lang="en-GB" dirty="0" err="1" smtClean="0"/>
+              <a:t>powershell</a:t>
+            </a:r>
+            <a:endParaRPr lang="en-GB" dirty="0"/>
+          </a:p>
+        </p:txBody>
+      </p:sp>
+      <p:sp>
+        <p:nvSpPr>
+          <p:cNvPr id="3" name="Content Placeholder 2"/>
+          <p:cNvSpPr>
+            <a:spLocks noGrp="1"/>
+          </p:cNvSpPr>
+          <p:nvPr>
+            <p:ph idx="1"/>
+          </p:nvPr>
+        </p:nvSpPr>
+        <p:spPr>
+          <a:xfrm>
+            <a:off x="346841" y="2011679"/>
+            <a:ext cx="11582400" cy="4727449"/>
+          </a:xfrm>
+        </p:spPr>
+        <p:txBody>
+          <a:bodyPr>
+            <a:normAutofit fontScale="62500" lnSpcReduction="20000"/>
+          </a:bodyPr>
+          <a:lstStyle/>
+          <a:p>
+            <a:pPr marL="514350" indent="-514350">
+              <a:buAutoNum type="arabicPeriod"/>
+            </a:pPr>
+            <a:r>
+              <a:rPr lang="en-GB" sz="3200" b="1" dirty="0" smtClean="0">
+                <a:sym typeface="Wingdings" panose="05000000000000000000" pitchFamily="2" charset="2"/>
+              </a:rPr>
+              <a:t>Develop a style and stick to it</a:t>
+            </a:r>
+          </a:p>
+          <a:p>
+            <a:pPr marL="514350" indent="-514350">
+              <a:buAutoNum type="arabicPeriod"/>
+            </a:pPr>
+            <a:r>
+              <a:rPr lang="en-GB" sz="3200" b="1" dirty="0" smtClean="0">
+                <a:sym typeface="Wingdings" panose="05000000000000000000" pitchFamily="2" charset="2"/>
+              </a:rPr>
+              <a:t>Use Advanced Functions</a:t>
+            </a:r>
+          </a:p>
+          <a:p>
+            <a:pPr marL="514350" indent="-514350">
+              <a:buAutoNum type="arabicPeriod"/>
+            </a:pPr>
+            <a:r>
+              <a:rPr lang="en-GB" sz="3200" b="1" dirty="0" smtClean="0">
+                <a:sym typeface="Wingdings" panose="05000000000000000000" pitchFamily="2" charset="2"/>
+              </a:rPr>
+              <a:t>Don’t let your code get picked on – use names properly (</a:t>
+            </a:r>
+            <a:r>
+              <a:rPr lang="en-GB" sz="3200" b="1" dirty="0">
+                <a:sym typeface="Wingdings" panose="05000000000000000000" pitchFamily="2" charset="2"/>
+              </a:rPr>
+              <a:t>Use full cmdlet and parameter names – not </a:t>
+            </a:r>
+            <a:r>
+              <a:rPr lang="en-GB" sz="3200" b="1" dirty="0" smtClean="0">
+                <a:sym typeface="Wingdings" panose="05000000000000000000" pitchFamily="2" charset="2"/>
+              </a:rPr>
+              <a:t>aliases or positions / Use </a:t>
+            </a:r>
+            <a:r>
+              <a:rPr lang="en-GB" sz="3200" b="1" dirty="0">
+                <a:sym typeface="Wingdings" panose="05000000000000000000" pitchFamily="2" charset="2"/>
+              </a:rPr>
+              <a:t>descriptive names for variables, parameters and functions (don’t use Hungarian notation</a:t>
+            </a:r>
+            <a:r>
+              <a:rPr lang="en-GB" sz="3200" b="1" dirty="0" smtClean="0">
+                <a:sym typeface="Wingdings" panose="05000000000000000000" pitchFamily="2" charset="2"/>
+              </a:rPr>
+              <a:t>)</a:t>
+            </a:r>
+          </a:p>
+          <a:p>
+            <a:pPr marL="514350" indent="-514350">
+              <a:buAutoNum type="arabicPeriod"/>
+            </a:pPr>
+            <a:r>
+              <a:rPr lang="en-GB" sz="3200" b="1" dirty="0" smtClean="0">
+                <a:sym typeface="Wingdings" panose="05000000000000000000" pitchFamily="2" charset="2"/>
+              </a:rPr>
+              <a:t>Leverage built-in checking ([Validate…][</a:t>
+            </a:r>
+            <a:r>
+              <a:rPr lang="en-GB" sz="3200" b="1" dirty="0" err="1" smtClean="0">
+                <a:sym typeface="Wingdings" panose="05000000000000000000" pitchFamily="2" charset="2"/>
+              </a:rPr>
+              <a:t>Mandtaory</a:t>
+            </a:r>
+            <a:r>
+              <a:rPr lang="en-GB" sz="3200" b="1" dirty="0" smtClean="0">
+                <a:sym typeface="Wingdings" panose="05000000000000000000" pitchFamily="2" charset="2"/>
+              </a:rPr>
+              <a:t> parameter]#</a:t>
+            </a:r>
+            <a:r>
+              <a:rPr lang="en-GB" sz="3200" b="1" dirty="0" err="1" smtClean="0">
+                <a:sym typeface="Wingdings" panose="05000000000000000000" pitchFamily="2" charset="2"/>
+              </a:rPr>
+              <a:t>Requires,Set-StrictMode</a:t>
+            </a:r>
+            <a:r>
+              <a:rPr lang="en-GB" sz="3200" b="1" dirty="0" smtClean="0">
+                <a:sym typeface="Wingdings" panose="05000000000000000000" pitchFamily="2" charset="2"/>
+              </a:rPr>
+              <a:t>)</a:t>
+            </a:r>
+          </a:p>
+          <a:p>
+            <a:pPr marL="514350" indent="-514350">
+              <a:buAutoNum type="arabicPeriod"/>
+            </a:pPr>
+            <a:endParaRPr lang="en-GB" sz="3200" b="1" dirty="0" smtClean="0">
+              <a:sym typeface="Wingdings" panose="05000000000000000000" pitchFamily="2" charset="2"/>
+            </a:endParaRPr>
+          </a:p>
+          <a:p>
+            <a:pPr marL="514350" indent="-514350">
+              <a:buAutoNum type="arabicPeriod"/>
+            </a:pPr>
+            <a:r>
+              <a:rPr lang="en-GB" sz="3200" b="1" dirty="0" smtClean="0">
+                <a:sym typeface="Wingdings" panose="05000000000000000000" pitchFamily="2" charset="2"/>
+              </a:rPr>
+              <a:t>Go green with your code – Reduce, Reuse and Recycle</a:t>
+            </a:r>
+          </a:p>
+          <a:p>
+            <a:pPr marL="514350" indent="-514350">
+              <a:buAutoNum type="arabicPeriod"/>
+            </a:pPr>
+            <a:r>
+              <a:rPr lang="en-GB" sz="3200" b="1" dirty="0" smtClean="0">
+                <a:sym typeface="Wingdings" panose="05000000000000000000" pitchFamily="2" charset="2"/>
+              </a:rPr>
+              <a:t>Use Write-Verbose to comment</a:t>
+            </a:r>
+          </a:p>
+          <a:p>
+            <a:pPr marL="514350" indent="-514350">
+              <a:buAutoNum type="arabicPeriod"/>
+            </a:pPr>
+            <a:r>
+              <a:rPr lang="en-GB" sz="3200" b="1" dirty="0" smtClean="0">
+                <a:sym typeface="Wingdings" panose="05000000000000000000" pitchFamily="2" charset="2"/>
+              </a:rPr>
+              <a:t>Save the world by writing help</a:t>
+            </a:r>
+          </a:p>
+          <a:p>
+            <a:pPr marL="514350" indent="-514350">
+              <a:buAutoNum type="arabicPeriod"/>
+            </a:pPr>
+            <a:r>
+              <a:rPr lang="en-GB" sz="3200" b="1" dirty="0" smtClean="0">
+                <a:sym typeface="Wingdings" panose="05000000000000000000" pitchFamily="2" charset="2"/>
+              </a:rPr>
+              <a:t>Use the pipeline and objects</a:t>
+            </a:r>
+            <a:endParaRPr lang="en-GB" sz="3200" b="1" dirty="0">
+              <a:sym typeface="Wingdings" panose="05000000000000000000" pitchFamily="2" charset="2"/>
+            </a:endParaRPr>
+          </a:p>
+          <a:p>
+            <a:pPr marL="514350" indent="-514350">
+              <a:buFont typeface="Wingdings" pitchFamily="2" charset="2"/>
+              <a:buAutoNum type="arabicPeriod"/>
+            </a:pPr>
+            <a:r>
+              <a:rPr lang="en-GB" sz="3200" b="1" dirty="0" smtClean="0">
+                <a:sym typeface="Wingdings" panose="05000000000000000000" pitchFamily="2" charset="2"/>
+              </a:rPr>
+              <a:t>Don’t pollute the users session (don’t use $</a:t>
+            </a:r>
+            <a:r>
+              <a:rPr lang="en-GB" sz="3200" b="1" dirty="0" err="1" smtClean="0">
+                <a:sym typeface="Wingdings" panose="05000000000000000000" pitchFamily="2" charset="2"/>
+              </a:rPr>
+              <a:t>ErrorActionPreference</a:t>
+            </a:r>
+            <a:r>
+              <a:rPr lang="en-GB" sz="3200" b="1" dirty="0" smtClean="0">
+                <a:sym typeface="Wingdings" panose="05000000000000000000" pitchFamily="2" charset="2"/>
+              </a:rPr>
+              <a:t> or global stuff / </a:t>
+            </a:r>
+            <a:r>
+              <a:rPr lang="en-GB" sz="3200" b="1" dirty="0">
+                <a:sym typeface="Wingdings" panose="05000000000000000000" pitchFamily="2" charset="2"/>
+              </a:rPr>
+              <a:t>Be aware of </a:t>
+            </a:r>
+            <a:r>
+              <a:rPr lang="en-GB" sz="3200" b="1" dirty="0" smtClean="0">
+                <a:sym typeface="Wingdings" panose="05000000000000000000" pitchFamily="2" charset="2"/>
+              </a:rPr>
+              <a:t>Scope / don’t use CLS)</a:t>
+            </a:r>
+          </a:p>
+          <a:p>
+            <a:pPr marL="514350" indent="-514350">
+              <a:buFont typeface="Wingdings" pitchFamily="2" charset="2"/>
+              <a:buAutoNum type="arabicPeriod"/>
+            </a:pPr>
+            <a:endParaRPr lang="en-GB" sz="3200" b="1" dirty="0">
+              <a:sym typeface="Wingdings" panose="05000000000000000000" pitchFamily="2" charset="2"/>
+            </a:endParaRPr>
+          </a:p>
+          <a:p>
+            <a:pPr marL="514350" indent="-514350">
+              <a:buAutoNum type="arabicPeriod"/>
+            </a:pPr>
+            <a:endParaRPr lang="en-GB" sz="3200" b="1" dirty="0" smtClean="0">
+              <a:sym typeface="Wingdings" panose="05000000000000000000" pitchFamily="2" charset="2"/>
+            </a:endParaRPr>
+          </a:p>
+          <a:p>
+            <a:pPr marL="0" indent="0">
+              <a:buNone/>
+            </a:pPr>
+            <a:endParaRPr lang="en-GB" sz="3200" b="1" dirty="0">
+              <a:sym typeface="Wingdings" panose="05000000000000000000" pitchFamily="2" charset="2"/>
+            </a:endParaRPr>
+          </a:p>
+          <a:p>
+            <a:pPr>
+              <a:buFont typeface="Arial" panose="020B0604020202020204" pitchFamily="34" charset="0"/>
+              <a:buChar char="•"/>
+            </a:pPr>
+            <a:endParaRPr lang="en-GB" sz="3200" b="1" dirty="0">
+              <a:sym typeface="Wingdings" panose="05000000000000000000" pitchFamily="2" charset="2"/>
+            </a:endParaRPr>
+          </a:p>
+          <a:p>
+            <a:pPr marL="0" indent="0">
+              <a:buNone/>
+            </a:pPr>
+            <a:endParaRPr lang="en-GB" sz="3200" b="1" dirty="0">
+              <a:sym typeface="Wingdings" panose="05000000000000000000" pitchFamily="2" charset="2"/>
+            </a:endParaRPr>
+          </a:p>
+        </p:txBody>
+      </p:sp>
+      <p:pic>
+        <p:nvPicPr>
+          <p:cNvPr id="4" name="Picture 2" descr="https://www.powershellgallery.com/Content/Images/packageDefaultIcon.png"/>
+          <p:cNvPicPr>
+            <a:picLocks noChangeAspect="1" noChangeArrowheads="1"/>
+          </p:cNvPicPr>
+          <p:nvPr/>
+        </p:nvPicPr>
+        <p:blipFill>
+          <a:blip r:embed="rId2">
+            <a:extLst>
+              <a:ext uri="{28A0092B-C50C-407E-A947-70E740481C1C}">
+                <a14:useLocalDpi xmlns:a14="http://schemas.microsoft.com/office/drawing/2010/main" val="0"/>
+              </a:ext>
+            </a:extLst>
+          </a:blip>
+          <a:srcRect/>
+          <a:stretch>
+            <a:fillRect/>
+          </a:stretch>
+        </p:blipFill>
+        <p:spPr bwMode="auto">
+          <a:xfrm>
+            <a:off x="83856" y="61397"/>
+            <a:ext cx="1731538" cy="1731539"/>
+          </a:xfrm>
+          <a:prstGeom prst="rect">
+            <a:avLst/>
+          </a:prstGeom>
+          <a:noFill/>
+          <a:extLst>
+            <a:ext uri="{909E8E84-426E-40DD-AFC4-6F175D3DCCD1}">
+              <a14:hiddenFill xmlns:a14="http://schemas.microsoft.com/office/drawing/2010/main">
+                <a:solidFill>
+                  <a:srgbClr val="FFFFFF"/>
+                </a:solidFill>
+              </a14:hiddenFill>
+            </a:ext>
+          </a:extLst>
+        </p:spPr>
+      </p:pic>
+    </p:spTree>
+    <p:extLst>
+      <p:ext uri="{BB962C8B-B14F-4D97-AF65-F5344CB8AC3E}">
+        <p14:creationId xmlns:p14="http://schemas.microsoft.com/office/powerpoint/2010/main" val="636600905"/>
+      </p:ext>
+    </p:extLst>
+  </p:cSld>
+  <p:clrMapOvr>
+    <a:masterClrMapping/>
+  </p:clrMapOvr>
+  <p:timing>
+    <p:tnLst>
+      <p:par>
+        <p:cTn id="1" dur="indefinite" restart="never" nodeType="tmRoot">
+          <p:childTnLst>
+            <p:seq concurrent="1" nextAc="seek">
+              <p:cTn id="2" dur="indefinite" nodeType="mainSeq">
+                <p:childTnLst>
+                  <p:par>
+                    <p:cTn id="3" fill="hold">
+                      <p:stCondLst>
+                        <p:cond delay="indefinite"/>
+                      </p:stCondLst>
+                      <p:childTnLst>
+                        <p:par>
+                          <p:cTn id="4" fill="hold">
+                            <p:stCondLst>
+                              <p:cond delay="0"/>
+                            </p:stCondLst>
+                            <p:childTnLst>
+                              <p:par>
+                                <p:cTn id="5" presetID="10" presetClass="entr" presetSubtype="0" fill="hold" nodeType="clickEffect">
+                                  <p:stCondLst>
+                                    <p:cond delay="0"/>
+                                  </p:stCondLst>
+                                  <p:childTnLst>
+                                    <p:set>
+                                      <p:cBhvr>
+                                        <p:cTn id="6" dur="1" fill="hold">
+                                          <p:stCondLst>
+                                            <p:cond delay="0"/>
+                                          </p:stCondLst>
+                                        </p:cTn>
+                                        <p:tgtEl>
+                                          <p:spTgt spid="3">
+                                            <p:txEl>
+                                              <p:pRg st="0" end="0"/>
+                                            </p:txEl>
+                                          </p:spTgt>
+                                        </p:tgtEl>
+                                        <p:attrNameLst>
+                                          <p:attrName>style.visibility</p:attrName>
+                                        </p:attrNameLst>
+                                      </p:cBhvr>
+                                      <p:to>
+                                        <p:strVal val="visible"/>
+                                      </p:to>
+                                    </p:set>
+                                    <p:animEffect transition="in" filter="fade">
+                                      <p:cBhvr>
+                                        <p:cTn id="7" dur="500"/>
+                                        <p:tgtEl>
+                                          <p:spTgt spid="3">
+                                            <p:txEl>
+                                              <p:pRg st="0" end="0"/>
+                                            </p:txEl>
+                                          </p:spTgt>
+                                        </p:tgtEl>
+                                      </p:cBhvr>
+                                    </p:animEffect>
+                                  </p:childTnLst>
+                                </p:cTn>
+                              </p:par>
+                            </p:childTnLst>
+                          </p:cTn>
+                        </p:par>
+                      </p:childTnLst>
+                    </p:cTn>
+                  </p:par>
+                  <p:par>
+                    <p:cTn id="8" fill="hold">
+                      <p:stCondLst>
+                        <p:cond delay="indefinite"/>
+                      </p:stCondLst>
+                      <p:childTnLst>
+                        <p:par>
+                          <p:cTn id="9" fill="hold">
+                            <p:stCondLst>
+                              <p:cond delay="0"/>
+                            </p:stCondLst>
+                            <p:childTnLst>
+                              <p:par>
+                                <p:cTn id="10" presetID="10" presetClass="entr" presetSubtype="0" fill="hold" nodeType="clickEffect">
+                                  <p:stCondLst>
+                                    <p:cond delay="0"/>
+                                  </p:stCondLst>
+                                  <p:childTnLst>
+                                    <p:set>
+                                      <p:cBhvr>
+                                        <p:cTn id="11" dur="1" fill="hold">
+                                          <p:stCondLst>
+                                            <p:cond delay="0"/>
+                                          </p:stCondLst>
+                                        </p:cTn>
+                                        <p:tgtEl>
+                                          <p:spTgt spid="3">
+                                            <p:txEl>
+                                              <p:pRg st="1" end="1"/>
+                                            </p:txEl>
+                                          </p:spTgt>
+                                        </p:tgtEl>
+                                        <p:attrNameLst>
+                                          <p:attrName>style.visibility</p:attrName>
+                                        </p:attrNameLst>
+                                      </p:cBhvr>
+                                      <p:to>
+                                        <p:strVal val="visible"/>
+                                      </p:to>
+                                    </p:set>
+                                    <p:animEffect transition="in" filter="fade">
+                                      <p:cBhvr>
+                                        <p:cTn id="12" dur="500"/>
+                                        <p:tgtEl>
+                                          <p:spTgt spid="3">
+                                            <p:txEl>
+                                              <p:pRg st="1" end="1"/>
+                                            </p:txEl>
+                                          </p:spTgt>
+                                        </p:tgtEl>
+                                      </p:cBhvr>
+                                    </p:animEffect>
+                                  </p:childTnLst>
+                                </p:cTn>
+                              </p:par>
+                            </p:childTnLst>
+                          </p:cTn>
+                        </p:par>
+                      </p:childTnLst>
+                    </p:cTn>
+                  </p:par>
+                  <p:par>
+                    <p:cTn id="13" fill="hold">
+                      <p:stCondLst>
+                        <p:cond delay="indefinite"/>
+                      </p:stCondLst>
+                      <p:childTnLst>
+                        <p:par>
+                          <p:cTn id="14" fill="hold">
+                            <p:stCondLst>
+                              <p:cond delay="0"/>
+                            </p:stCondLst>
+                            <p:childTnLst>
+                              <p:par>
+                                <p:cTn id="15" presetID="10" presetClass="entr" presetSubtype="0" fill="hold" nodeType="clickEffect">
+                                  <p:stCondLst>
+                                    <p:cond delay="0"/>
+                                  </p:stCondLst>
+                                  <p:childTnLst>
+                                    <p:set>
+                                      <p:cBhvr>
+                                        <p:cTn id="16" dur="1" fill="hold">
+                                          <p:stCondLst>
+                                            <p:cond delay="0"/>
+                                          </p:stCondLst>
+                                        </p:cTn>
+                                        <p:tgtEl>
+                                          <p:spTgt spid="3">
+                                            <p:txEl>
+                                              <p:pRg st="2" end="2"/>
+                                            </p:txEl>
+                                          </p:spTgt>
+                                        </p:tgtEl>
+                                        <p:attrNameLst>
+                                          <p:attrName>style.visibility</p:attrName>
+                                        </p:attrNameLst>
+                                      </p:cBhvr>
+                                      <p:to>
+                                        <p:strVal val="visible"/>
+                                      </p:to>
+                                    </p:set>
+                                    <p:animEffect transition="in" filter="fade">
+                                      <p:cBhvr>
+                                        <p:cTn id="17" dur="500"/>
+                                        <p:tgtEl>
+                                          <p:spTgt spid="3">
+                                            <p:txEl>
+                                              <p:pRg st="2" end="2"/>
+                                            </p:txEl>
+                                          </p:spTgt>
+                                        </p:tgtEl>
+                                      </p:cBhvr>
+                                    </p:animEffect>
+                                  </p:childTnLst>
+                                </p:cTn>
+                              </p:par>
+                            </p:childTnLst>
+                          </p:cTn>
+                        </p:par>
+                      </p:childTnLst>
+                    </p:cTn>
+                  </p:par>
+                  <p:par>
+                    <p:cTn id="18" fill="hold">
+                      <p:stCondLst>
+                        <p:cond delay="indefinite"/>
+                      </p:stCondLst>
+                      <p:childTnLst>
+                        <p:par>
+                          <p:cTn id="19" fill="hold">
+                            <p:stCondLst>
+                              <p:cond delay="0"/>
+                            </p:stCondLst>
+                            <p:childTnLst>
+                              <p:par>
+                                <p:cTn id="20" presetID="10" presetClass="entr" presetSubtype="0" fill="hold" nodeType="clickEffect">
+                                  <p:stCondLst>
+                                    <p:cond delay="0"/>
+                                  </p:stCondLst>
+                                  <p:childTnLst>
+                                    <p:set>
+                                      <p:cBhvr>
+                                        <p:cTn id="21" dur="1" fill="hold">
+                                          <p:stCondLst>
+                                            <p:cond delay="0"/>
+                                          </p:stCondLst>
+                                        </p:cTn>
+                                        <p:tgtEl>
+                                          <p:spTgt spid="3">
+                                            <p:txEl>
+                                              <p:pRg st="3" end="3"/>
+                                            </p:txEl>
+                                          </p:spTgt>
+                                        </p:tgtEl>
+                                        <p:attrNameLst>
+                                          <p:attrName>style.visibility</p:attrName>
+                                        </p:attrNameLst>
+                                      </p:cBhvr>
+                                      <p:to>
+                                        <p:strVal val="visible"/>
+                                      </p:to>
+                                    </p:set>
+                                    <p:animEffect transition="in" filter="fade">
+                                      <p:cBhvr>
+                                        <p:cTn id="22" dur="500"/>
+                                        <p:tgtEl>
+                                          <p:spTgt spid="3">
+                                            <p:txEl>
+                                              <p:pRg st="3" end="3"/>
+                                            </p:txEl>
+                                          </p:spTgt>
+                                        </p:tgtEl>
+                                      </p:cBhvr>
+                                    </p:animEffect>
+                                  </p:childTnLst>
+                                </p:cTn>
+                              </p:par>
+                            </p:childTnLst>
+                          </p:cTn>
+                        </p:par>
+                      </p:childTnLst>
+                    </p:cTn>
+                  </p:par>
+                  <p:par>
+                    <p:cTn id="23" fill="hold">
+                      <p:stCondLst>
+                        <p:cond delay="indefinite"/>
+                      </p:stCondLst>
+                      <p:childTnLst>
+                        <p:par>
+                          <p:cTn id="24" fill="hold">
+                            <p:stCondLst>
+                              <p:cond delay="0"/>
+                            </p:stCondLst>
+                            <p:childTnLst>
+                              <p:par>
+                                <p:cTn id="25" presetID="10" presetClass="entr" presetSubtype="0" fill="hold" nodeType="clickEffect">
+                                  <p:stCondLst>
+                                    <p:cond delay="0"/>
+                                  </p:stCondLst>
+                                  <p:childTnLst>
+                                    <p:set>
+                                      <p:cBhvr>
+                                        <p:cTn id="26" dur="1" fill="hold">
+                                          <p:stCondLst>
+                                            <p:cond delay="0"/>
+                                          </p:stCondLst>
+                                        </p:cTn>
+                                        <p:tgtEl>
+                                          <p:spTgt spid="3">
+                                            <p:txEl>
+                                              <p:pRg st="5" end="5"/>
+                                            </p:txEl>
+                                          </p:spTgt>
+                                        </p:tgtEl>
+                                        <p:attrNameLst>
+                                          <p:attrName>style.visibility</p:attrName>
+                                        </p:attrNameLst>
+                                      </p:cBhvr>
+                                      <p:to>
+                                        <p:strVal val="visible"/>
+                                      </p:to>
+                                    </p:set>
+                                    <p:animEffect transition="in" filter="fade">
+                                      <p:cBhvr>
+                                        <p:cTn id="27" dur="500"/>
+                                        <p:tgtEl>
+                                          <p:spTgt spid="3">
+                                            <p:txEl>
+                                              <p:pRg st="5" end="5"/>
+                                            </p:txEl>
+                                          </p:spTgt>
+                                        </p:tgtEl>
+                                      </p:cBhvr>
+                                    </p:animEffect>
+                                  </p:childTnLst>
+                                </p:cTn>
+                              </p:par>
+                            </p:childTnLst>
+                          </p:cTn>
+                        </p:par>
+                      </p:childTnLst>
+                    </p:cTn>
+                  </p:par>
+                  <p:par>
+                    <p:cTn id="28" fill="hold">
+                      <p:stCondLst>
+                        <p:cond delay="indefinite"/>
+                      </p:stCondLst>
+                      <p:childTnLst>
+                        <p:par>
+                          <p:cTn id="29" fill="hold">
+                            <p:stCondLst>
+                              <p:cond delay="0"/>
+                            </p:stCondLst>
+                            <p:childTnLst>
+                              <p:par>
+                                <p:cTn id="30" presetID="10" presetClass="entr" presetSubtype="0" fill="hold" nodeType="clickEffect">
+                                  <p:stCondLst>
+                                    <p:cond delay="0"/>
+                                  </p:stCondLst>
+                                  <p:childTnLst>
+                                    <p:set>
+                                      <p:cBhvr>
+                                        <p:cTn id="31" dur="1" fill="hold">
+                                          <p:stCondLst>
+                                            <p:cond delay="0"/>
+                                          </p:stCondLst>
+                                        </p:cTn>
+                                        <p:tgtEl>
+                                          <p:spTgt spid="3">
+                                            <p:txEl>
+                                              <p:pRg st="6" end="6"/>
+                                            </p:txEl>
+                                          </p:spTgt>
+                                        </p:tgtEl>
+                                        <p:attrNameLst>
+                                          <p:attrName>style.visibility</p:attrName>
+                                        </p:attrNameLst>
+                                      </p:cBhvr>
+                                      <p:to>
+                                        <p:strVal val="visible"/>
+                                      </p:to>
+                                    </p:set>
+                                    <p:animEffect transition="in" filter="fade">
+                                      <p:cBhvr>
+                                        <p:cTn id="32" dur="500"/>
+                                        <p:tgtEl>
+                                          <p:spTgt spid="3">
+                                            <p:txEl>
+                                              <p:pRg st="6" end="6"/>
+                                            </p:txEl>
+                                          </p:spTgt>
+                                        </p:tgtEl>
+                                      </p:cBhvr>
+                                    </p:animEffect>
+                                  </p:childTnLst>
+                                </p:cTn>
+                              </p:par>
+                            </p:childTnLst>
+                          </p:cTn>
+                        </p:par>
+                      </p:childTnLst>
+                    </p:cTn>
+                  </p:par>
+                  <p:par>
+                    <p:cTn id="33" fill="hold">
+                      <p:stCondLst>
+                        <p:cond delay="indefinite"/>
+                      </p:stCondLst>
+                      <p:childTnLst>
+                        <p:par>
+                          <p:cTn id="34" fill="hold">
+                            <p:stCondLst>
+                              <p:cond delay="0"/>
+                            </p:stCondLst>
+                            <p:childTnLst>
+                              <p:par>
+                                <p:cTn id="35" presetID="10" presetClass="entr" presetSubtype="0" fill="hold" nodeType="clickEffect">
+                                  <p:stCondLst>
+                                    <p:cond delay="0"/>
+                                  </p:stCondLst>
+                                  <p:childTnLst>
+                                    <p:set>
+                                      <p:cBhvr>
+                                        <p:cTn id="36" dur="1" fill="hold">
+                                          <p:stCondLst>
+                                            <p:cond delay="0"/>
+                                          </p:stCondLst>
+                                        </p:cTn>
+                                        <p:tgtEl>
+                                          <p:spTgt spid="3">
+                                            <p:txEl>
+                                              <p:pRg st="7" end="7"/>
+                                            </p:txEl>
+                                          </p:spTgt>
+                                        </p:tgtEl>
+                                        <p:attrNameLst>
+                                          <p:attrName>style.visibility</p:attrName>
+                                        </p:attrNameLst>
+                                      </p:cBhvr>
+                                      <p:to>
+                                        <p:strVal val="visible"/>
+                                      </p:to>
+                                    </p:set>
+                                    <p:animEffect transition="in" filter="fade">
+                                      <p:cBhvr>
+                                        <p:cTn id="37" dur="500"/>
+                                        <p:tgtEl>
+                                          <p:spTgt spid="3">
+                                            <p:txEl>
+                                              <p:pRg st="7" end="7"/>
+                                            </p:txEl>
+                                          </p:spTgt>
+                                        </p:tgtEl>
+                                      </p:cBhvr>
+                                    </p:animEffect>
+                                  </p:childTnLst>
+                                </p:cTn>
+                              </p:par>
+                            </p:childTnLst>
+                          </p:cTn>
+                        </p:par>
+                      </p:childTnLst>
+                    </p:cTn>
+                  </p:par>
+                  <p:par>
+                    <p:cTn id="38" fill="hold">
+                      <p:stCondLst>
+                        <p:cond delay="indefinite"/>
+                      </p:stCondLst>
+                      <p:childTnLst>
+                        <p:par>
+                          <p:cTn id="39" fill="hold">
+                            <p:stCondLst>
+                              <p:cond delay="0"/>
+                            </p:stCondLst>
+                            <p:childTnLst>
+                              <p:par>
+                                <p:cTn id="40" presetID="10" presetClass="entr" presetSubtype="0" fill="hold" nodeType="clickEffect">
+                                  <p:stCondLst>
+                                    <p:cond delay="0"/>
+                                  </p:stCondLst>
+                                  <p:childTnLst>
+                                    <p:set>
+                                      <p:cBhvr>
+                                        <p:cTn id="41" dur="1" fill="hold">
+                                          <p:stCondLst>
+                                            <p:cond delay="0"/>
+                                          </p:stCondLst>
+                                        </p:cTn>
+                                        <p:tgtEl>
+                                          <p:spTgt spid="3">
+                                            <p:txEl>
+                                              <p:pRg st="8" end="8"/>
+                                            </p:txEl>
+                                          </p:spTgt>
+                                        </p:tgtEl>
+                                        <p:attrNameLst>
+                                          <p:attrName>style.visibility</p:attrName>
+                                        </p:attrNameLst>
+                                      </p:cBhvr>
+                                      <p:to>
+                                        <p:strVal val="visible"/>
+                                      </p:to>
+                                    </p:set>
+                                    <p:animEffect transition="in" filter="fade">
+                                      <p:cBhvr>
+                                        <p:cTn id="42" dur="500"/>
+                                        <p:tgtEl>
+                                          <p:spTgt spid="3">
+                                            <p:txEl>
+                                              <p:pRg st="8" end="8"/>
+                                            </p:txEl>
+                                          </p:spTgt>
+                                        </p:tgtEl>
+                                      </p:cBhvr>
+                                    </p:animEffect>
+                                  </p:childTnLst>
+                                </p:cTn>
+                              </p:par>
+                            </p:childTnLst>
+                          </p:cTn>
+                        </p:par>
+                      </p:childTnLst>
+                    </p:cTn>
+                  </p:par>
+                  <p:par>
+                    <p:cTn id="43" fill="hold">
+                      <p:stCondLst>
+                        <p:cond delay="indefinite"/>
+                      </p:stCondLst>
+                      <p:childTnLst>
+                        <p:par>
+                          <p:cTn id="44" fill="hold">
+                            <p:stCondLst>
+                              <p:cond delay="0"/>
+                            </p:stCondLst>
+                            <p:childTnLst>
+                              <p:par>
+                                <p:cTn id="45" presetID="10" presetClass="entr" presetSubtype="0" fill="hold" nodeType="clickEffect">
+                                  <p:stCondLst>
+                                    <p:cond delay="0"/>
+                                  </p:stCondLst>
+                                  <p:childTnLst>
+                                    <p:set>
+                                      <p:cBhvr>
+                                        <p:cTn id="46" dur="1" fill="hold">
+                                          <p:stCondLst>
+                                            <p:cond delay="0"/>
+                                          </p:stCondLst>
+                                        </p:cTn>
+                                        <p:tgtEl>
+                                          <p:spTgt spid="3">
+                                            <p:txEl>
+                                              <p:pRg st="9" end="9"/>
+                                            </p:txEl>
+                                          </p:spTgt>
+                                        </p:tgtEl>
+                                        <p:attrNameLst>
+                                          <p:attrName>style.visibility</p:attrName>
+                                        </p:attrNameLst>
+                                      </p:cBhvr>
+                                      <p:to>
+                                        <p:strVal val="visible"/>
+                                      </p:to>
+                                    </p:set>
+                                    <p:animEffect transition="in" filter="fade">
+                                      <p:cBhvr>
+                                        <p:cTn id="47" dur="500"/>
+                                        <p:tgtEl>
+                                          <p:spTgt spid="3">
+                                            <p:txEl>
+                                              <p:pRg st="9" end="9"/>
+                                            </p:txEl>
+                                          </p:spTgt>
+                                        </p:tgtEl>
+                                      </p:cBhvr>
+                                    </p:animEffect>
+                                  </p:childTnLst>
+                                </p:cTn>
+                              </p:par>
+                            </p:childTnLst>
+                          </p:cTn>
+                        </p:par>
+                      </p:childTnLst>
+                    </p:cTn>
+                  </p:par>
+                </p:childTnLst>
+              </p:cTn>
+              <p:prevCondLst>
+                <p:cond evt="onPrev" delay="0">
+                  <p:tgtEl>
+                    <p:sldTgt/>
+                  </p:tgtEl>
+                </p:cond>
+              </p:prevCondLst>
+              <p:nextCondLst>
+                <p:cond evt="onNext" delay="0">
+                  <p:tgtEl>
+                    <p:sldTgt/>
+                  </p:tgtEl>
+                </p:cond>
+              </p:nextCondLst>
+            </p:seq>
+          </p:childTnLst>
+        </p:cTn>
+      </p:par>
+    </p:tnLst>
+  </p:timing>
+</p:sld>
+</file>
+
+<file path=ppt/slides/slide7.xml><?xml version="1.0" encoding="utf-8"?>
+<p:sld xmlns:a="http://schemas.openxmlformats.org/drawingml/2006/main" xmlns:r="http://schemas.openxmlformats.org/officeDocument/2006/relationships" xmlns:p="http://schemas.openxmlformats.org/presentationml/2006/main">
+  <p:cSld>
+    <p:bg>
+      <p:bgPr>
+        <a:solidFill>
+          <a:srgbClr val="0072C6"/>
+        </a:solidFill>
+        <a:effectLst/>
+      </p:bgPr>
+    </p:bg>
+    <p:spTree>
+      <p:nvGrpSpPr>
+        <p:cNvPr id="1" name=""/>
+        <p:cNvGrpSpPr/>
+        <p:nvPr/>
+      </p:nvGrpSpPr>
+      <p:grpSpPr>
+        <a:xfrm>
+          <a:off x="0" y="0"/>
+          <a:ext cx="0" cy="0"/>
+          <a:chOff x="0" y="0"/>
+          <a:chExt cx="0" cy="0"/>
+        </a:xfrm>
+      </p:grpSpPr>
+      <p:sp>
+        <p:nvSpPr>
+          <p:cNvPr id="2" name="Title 1"/>
+          <p:cNvSpPr>
+            <a:spLocks noGrp="1"/>
+          </p:cNvSpPr>
+          <p:nvPr>
+            <p:ph type="title"/>
+          </p:nvPr>
+        </p:nvSpPr>
+        <p:spPr>
+          <a:xfrm>
+            <a:off x="2043953" y="284176"/>
+            <a:ext cx="8943046" cy="1508760"/>
+          </a:xfrm>
+        </p:spPr>
+        <p:txBody>
+          <a:bodyPr/>
+          <a:lstStyle/>
+          <a:p>
+            <a:r>
+              <a:rPr lang="en-GB" dirty="0" smtClean="0"/>
+              <a:t>10 do’s and don’t of </a:t>
+            </a:r>
+            <a:r>
+              <a:rPr lang="en-GB" dirty="0" err="1" smtClean="0"/>
+              <a:t>powershell</a:t>
+            </a:r>
+            <a:endParaRPr lang="en-GB" dirty="0"/>
+          </a:p>
+        </p:txBody>
+      </p:sp>
+      <p:sp>
+        <p:nvSpPr>
+          <p:cNvPr id="3" name="Content Placeholder 2"/>
+          <p:cNvSpPr>
+            <a:spLocks noGrp="1"/>
+          </p:cNvSpPr>
+          <p:nvPr>
+            <p:ph idx="1"/>
+          </p:nvPr>
+        </p:nvSpPr>
+        <p:spPr>
+          <a:xfrm>
+            <a:off x="346841" y="2011679"/>
+            <a:ext cx="11582400" cy="4727449"/>
+          </a:xfrm>
+        </p:spPr>
+        <p:txBody>
+          <a:bodyPr>
+            <a:normAutofit/>
+          </a:bodyPr>
+          <a:lstStyle/>
+          <a:p>
+            <a:pPr>
+              <a:buFont typeface="Arial" panose="020B0604020202020204" pitchFamily="34" charset="0"/>
+              <a:buChar char="•"/>
+            </a:pPr>
+            <a:r>
+              <a:rPr lang="en-GB" sz="3200" b="1" dirty="0" smtClean="0">
+                <a:sym typeface="Wingdings" panose="05000000000000000000" pitchFamily="2" charset="2"/>
+              </a:rPr>
+              <a:t>Why are they important</a:t>
+            </a:r>
+          </a:p>
+          <a:p>
+            <a:pPr lvl="1">
+              <a:buFont typeface="Arial" panose="020B0604020202020204" pitchFamily="34" charset="0"/>
+              <a:buChar char="•"/>
+            </a:pPr>
+            <a:r>
+              <a:rPr lang="en-GB" sz="3000" b="1" dirty="0" smtClean="0">
+                <a:sym typeface="Wingdings" panose="05000000000000000000" pitchFamily="2" charset="2"/>
+              </a:rPr>
+              <a:t>If you leave, get sick or get hit by a bus somebody else can pick it up</a:t>
+            </a:r>
+          </a:p>
+          <a:p>
+            <a:pPr lvl="1">
+              <a:buFont typeface="Arial" panose="020B0604020202020204" pitchFamily="34" charset="0"/>
+              <a:buChar char="•"/>
+            </a:pPr>
+            <a:r>
+              <a:rPr lang="en-GB" sz="3000" b="1" dirty="0" smtClean="0">
+                <a:sym typeface="Wingdings" panose="05000000000000000000" pitchFamily="2" charset="2"/>
+              </a:rPr>
+              <a:t>Peer review</a:t>
+            </a:r>
+          </a:p>
+          <a:p>
+            <a:pPr lvl="1">
+              <a:buFont typeface="Arial" panose="020B0604020202020204" pitchFamily="34" charset="0"/>
+              <a:buChar char="•"/>
+            </a:pPr>
+            <a:r>
+              <a:rPr lang="en-GB" sz="3000" b="1" dirty="0" smtClean="0">
+                <a:sym typeface="Wingdings" panose="05000000000000000000" pitchFamily="2" charset="2"/>
+              </a:rPr>
+              <a:t>Post script online such as PowerShell Gallery, </a:t>
+            </a:r>
+            <a:r>
+              <a:rPr lang="en-GB" sz="3000" b="1" dirty="0" err="1" smtClean="0">
+                <a:sym typeface="Wingdings" panose="05000000000000000000" pitchFamily="2" charset="2"/>
+              </a:rPr>
+              <a:t>Github</a:t>
+            </a:r>
+            <a:endParaRPr lang="en-GB" sz="3000" b="1" dirty="0">
+              <a:sym typeface="Wingdings" panose="05000000000000000000" pitchFamily="2" charset="2"/>
+            </a:endParaRPr>
+          </a:p>
+          <a:p>
+            <a:pPr>
+              <a:buFont typeface="Arial" panose="020B0604020202020204" pitchFamily="34" charset="0"/>
+              <a:buChar char="•"/>
+            </a:pPr>
+            <a:endParaRPr lang="en-GB" sz="3200" b="1" dirty="0">
+              <a:sym typeface="Wingdings" panose="05000000000000000000" pitchFamily="2" charset="2"/>
+            </a:endParaRPr>
+          </a:p>
+          <a:p>
+            <a:pPr marL="0" indent="0">
+              <a:buNone/>
+            </a:pPr>
+            <a:endParaRPr lang="en-GB" sz="3200" b="1" dirty="0">
+              <a:sym typeface="Wingdings" panose="05000000000000000000" pitchFamily="2" charset="2"/>
+            </a:endParaRPr>
+          </a:p>
+        </p:txBody>
+      </p:sp>
+      <p:pic>
+        <p:nvPicPr>
+          <p:cNvPr id="4" name="Picture 2" descr="https://www.powershellgallery.com/Content/Images/packageDefaultIcon.png"/>
+          <p:cNvPicPr>
+            <a:picLocks noChangeAspect="1" noChangeArrowheads="1"/>
+          </p:cNvPicPr>
+          <p:nvPr/>
+        </p:nvPicPr>
+        <p:blipFill>
+          <a:blip r:embed="rId2">
+            <a:extLst>
+              <a:ext uri="{28A0092B-C50C-407E-A947-70E740481C1C}">
+                <a14:useLocalDpi xmlns:a14="http://schemas.microsoft.com/office/drawing/2010/main" val="0"/>
+              </a:ext>
+            </a:extLst>
+          </a:blip>
+          <a:srcRect/>
+          <a:stretch>
+            <a:fillRect/>
+          </a:stretch>
+        </p:blipFill>
+        <p:spPr bwMode="auto">
+          <a:xfrm>
+            <a:off x="83856" y="61397"/>
+            <a:ext cx="1731538" cy="1731539"/>
+          </a:xfrm>
+          <a:prstGeom prst="rect">
+            <a:avLst/>
+          </a:prstGeom>
+          <a:noFill/>
+          <a:extLst>
+            <a:ext uri="{909E8E84-426E-40DD-AFC4-6F175D3DCCD1}">
+              <a14:hiddenFill xmlns:a14="http://schemas.microsoft.com/office/drawing/2010/main">
+                <a:solidFill>
+                  <a:srgbClr val="FFFFFF"/>
+                </a:solidFill>
+              </a14:hiddenFill>
+            </a:ext>
+          </a:extLst>
+        </p:spPr>
+      </p:pic>
+    </p:spTree>
+    <p:extLst>
+      <p:ext uri="{BB962C8B-B14F-4D97-AF65-F5344CB8AC3E}">
+        <p14:creationId xmlns:p14="http://schemas.microsoft.com/office/powerpoint/2010/main" val="3878105266"/>
+      </p:ext>
+    </p:extLst>
+  </p:cSld>
+  <p:clrMapOvr>
+    <a:masterClrMapping/>
+  </p:clrMapOvr>
+  <p:timing>
+    <p:tnLst>
+      <p:par>
+        <p:cTn id="1" dur="indefinite" restart="never" nodeType="tmRoot">
+          <p:childTnLst>
+            <p:seq concurrent="1" nextAc="seek">
+              <p:cTn id="2" dur="indefinite" nodeType="mainSeq">
+                <p:childTnLst>
+                  <p:par>
+                    <p:cTn id="3" fill="hold">
+                      <p:stCondLst>
+                        <p:cond delay="indefinite"/>
+                      </p:stCondLst>
+                      <p:childTnLst>
+                        <p:par>
+                          <p:cTn id="4" fill="hold">
+                            <p:stCondLst>
+                              <p:cond delay="0"/>
+                            </p:stCondLst>
+                            <p:childTnLst>
+                              <p:par>
+                                <p:cTn id="5" presetID="10" presetClass="entr" presetSubtype="0" fill="hold" nodeType="clickEffect">
+                                  <p:stCondLst>
+                                    <p:cond delay="0"/>
+                                  </p:stCondLst>
+                                  <p:childTnLst>
+                                    <p:set>
+                                      <p:cBhvr>
+                                        <p:cTn id="6" dur="1" fill="hold">
+                                          <p:stCondLst>
+                                            <p:cond delay="0"/>
+                                          </p:stCondLst>
+                                        </p:cTn>
+                                        <p:tgtEl>
+                                          <p:spTgt spid="3">
+                                            <p:txEl>
+                                              <p:pRg st="0" end="0"/>
+                                            </p:txEl>
+                                          </p:spTgt>
+                                        </p:tgtEl>
+                                        <p:attrNameLst>
+                                          <p:attrName>style.visibility</p:attrName>
+                                        </p:attrNameLst>
+                                      </p:cBhvr>
+                                      <p:to>
+                                        <p:strVal val="visible"/>
+                                      </p:to>
+                                    </p:set>
+                                    <p:animEffect transition="in" filter="fade">
+                                      <p:cBhvr>
+                                        <p:cTn id="7" dur="500"/>
+                                        <p:tgtEl>
+                                          <p:spTgt spid="3">
+                                            <p:txEl>
+                                              <p:pRg st="0" end="0"/>
+                                            </p:txEl>
+                                          </p:spTgt>
+                                        </p:tgtEl>
+                                      </p:cBhvr>
+                                    </p:animEffect>
+                                  </p:childTnLst>
+                                </p:cTn>
+                              </p:par>
+                            </p:childTnLst>
+                          </p:cTn>
+                        </p:par>
+                      </p:childTnLst>
+                    </p:cTn>
+                  </p:par>
+                  <p:par>
+                    <p:cTn id="8" fill="hold">
+                      <p:stCondLst>
+                        <p:cond delay="indefinite"/>
+                      </p:stCondLst>
+                      <p:childTnLst>
+                        <p:par>
+                          <p:cTn id="9" fill="hold">
+                            <p:stCondLst>
+                              <p:cond delay="0"/>
+                            </p:stCondLst>
+                            <p:childTnLst>
+                              <p:par>
+                                <p:cTn id="10" presetID="10" presetClass="entr" presetSubtype="0" fill="hold" nodeType="clickEffect">
+                                  <p:stCondLst>
+                                    <p:cond delay="0"/>
+                                  </p:stCondLst>
+                                  <p:childTnLst>
+                                    <p:set>
+                                      <p:cBhvr>
+                                        <p:cTn id="11" dur="1" fill="hold">
+                                          <p:stCondLst>
+                                            <p:cond delay="0"/>
+                                          </p:stCondLst>
+                                        </p:cTn>
+                                        <p:tgtEl>
+                                          <p:spTgt spid="3">
+                                            <p:txEl>
+                                              <p:pRg st="1" end="1"/>
+                                            </p:txEl>
+                                          </p:spTgt>
+                                        </p:tgtEl>
+                                        <p:attrNameLst>
+                                          <p:attrName>style.visibility</p:attrName>
+                                        </p:attrNameLst>
+                                      </p:cBhvr>
+                                      <p:to>
+                                        <p:strVal val="visible"/>
+                                      </p:to>
+                                    </p:set>
+                                    <p:animEffect transition="in" filter="fade">
+                                      <p:cBhvr>
+                                        <p:cTn id="12" dur="500"/>
+                                        <p:tgtEl>
+                                          <p:spTgt spid="3">
+                                            <p:txEl>
+                                              <p:pRg st="1" end="1"/>
+                                            </p:txEl>
+                                          </p:spTgt>
+                                        </p:tgtEl>
+                                      </p:cBhvr>
+                                    </p:animEffect>
+                                  </p:childTnLst>
+                                </p:cTn>
+                              </p:par>
+                            </p:childTnLst>
+                          </p:cTn>
+                        </p:par>
+                      </p:childTnLst>
+                    </p:cTn>
+                  </p:par>
+                  <p:par>
+                    <p:cTn id="13" fill="hold">
+                      <p:stCondLst>
+                        <p:cond delay="indefinite"/>
+                      </p:stCondLst>
+                      <p:childTnLst>
+                        <p:par>
+                          <p:cTn id="14" fill="hold">
+                            <p:stCondLst>
+                              <p:cond delay="0"/>
+                            </p:stCondLst>
+                            <p:childTnLst>
+                              <p:par>
+                                <p:cTn id="15" presetID="10" presetClass="entr" presetSubtype="0" fill="hold" nodeType="clickEffect">
+                                  <p:stCondLst>
+                                    <p:cond delay="0"/>
+                                  </p:stCondLst>
+                                  <p:childTnLst>
+                                    <p:set>
+                                      <p:cBhvr>
+                                        <p:cTn id="16" dur="1" fill="hold">
+                                          <p:stCondLst>
+                                            <p:cond delay="0"/>
+                                          </p:stCondLst>
+                                        </p:cTn>
+                                        <p:tgtEl>
+                                          <p:spTgt spid="3">
+                                            <p:txEl>
+                                              <p:pRg st="2" end="2"/>
+                                            </p:txEl>
+                                          </p:spTgt>
+                                        </p:tgtEl>
+                                        <p:attrNameLst>
+                                          <p:attrName>style.visibility</p:attrName>
+                                        </p:attrNameLst>
+                                      </p:cBhvr>
+                                      <p:to>
+                                        <p:strVal val="visible"/>
+                                      </p:to>
+                                    </p:set>
+                                    <p:animEffect transition="in" filter="fade">
+                                      <p:cBhvr>
+                                        <p:cTn id="17" dur="500"/>
+                                        <p:tgtEl>
+                                          <p:spTgt spid="3">
+                                            <p:txEl>
+                                              <p:pRg st="2" end="2"/>
+                                            </p:txEl>
+                                          </p:spTgt>
+                                        </p:tgtEl>
+                                      </p:cBhvr>
+                                    </p:animEffect>
+                                  </p:childTnLst>
+                                </p:cTn>
+                              </p:par>
+                            </p:childTnLst>
+                          </p:cTn>
+                        </p:par>
+                      </p:childTnLst>
+                    </p:cTn>
+                  </p:par>
+                  <p:par>
+                    <p:cTn id="18" fill="hold">
+                      <p:stCondLst>
+                        <p:cond delay="indefinite"/>
+                      </p:stCondLst>
+                      <p:childTnLst>
+                        <p:par>
+                          <p:cTn id="19" fill="hold">
+                            <p:stCondLst>
+                              <p:cond delay="0"/>
+                            </p:stCondLst>
+                            <p:childTnLst>
+                              <p:par>
+                                <p:cTn id="20" presetID="10" presetClass="entr" presetSubtype="0" fill="hold" nodeType="clickEffect">
+                                  <p:stCondLst>
+                                    <p:cond delay="0"/>
+                                  </p:stCondLst>
+                                  <p:childTnLst>
+                                    <p:set>
+                                      <p:cBhvr>
+                                        <p:cTn id="21" dur="1" fill="hold">
+                                          <p:stCondLst>
+                                            <p:cond delay="0"/>
+                                          </p:stCondLst>
+                                        </p:cTn>
+                                        <p:tgtEl>
+                                          <p:spTgt spid="3">
+                                            <p:txEl>
+                                              <p:pRg st="3" end="3"/>
+                                            </p:txEl>
+                                          </p:spTgt>
+                                        </p:tgtEl>
+                                        <p:attrNameLst>
+                                          <p:attrName>style.visibility</p:attrName>
+                                        </p:attrNameLst>
+                                      </p:cBhvr>
+                                      <p:to>
+                                        <p:strVal val="visible"/>
+                                      </p:to>
+                                    </p:set>
+                                    <p:animEffect transition="in" filter="fade">
+                                      <p:cBhvr>
+                                        <p:cTn id="22" dur="500"/>
+                                        <p:tgtEl>
+                                          <p:spTgt spid="3">
+                                            <p:txEl>
+                                              <p:pRg st="3" end="3"/>
+                                            </p:txEl>
+                                          </p:spTgt>
+                                        </p:tgtEl>
+                                      </p:cBhvr>
+                                    </p:animEffect>
+                                  </p:childTnLst>
+                                </p:cTn>
+                              </p:par>
+                            </p:childTnLst>
+                          </p:cTn>
+                        </p:par>
+                      </p:childTnLst>
+                    </p:cTn>
+                  </p:par>
+                </p:childTnLst>
+              </p:cTn>
+              <p:prevCondLst>
+                <p:cond evt="onPrev" delay="0">
+                  <p:tgtEl>
+                    <p:sldTgt/>
+                  </p:tgtEl>
+                </p:cond>
+              </p:prevCondLst>
+              <p:nextCondLst>
+                <p:cond evt="onNext" delay="0">
+                  <p:tgtEl>
+                    <p:sldTgt/>
+                  </p:tgtEl>
+                </p:cond>
+              </p:nextCondLst>
+            </p:seq>
+          </p:childTnLst>
+        </p:cTn>
+      </p:par>
+    </p:tnLst>
+  </p:timing>
+</p:sld>
+</file>
+
+<file path=ppt/slides/slide8.xml><?xml version="1.0" encoding="utf-8"?>
 <p:sld xmlns:a="http://schemas.openxmlformats.org/drawingml/2006/main" xmlns:r="http://schemas.openxmlformats.org/officeDocument/2006/relationships" xmlns:p="http://schemas.openxmlformats.org/presentationml/2006/main">
   <p:cSld>
     <p:bg>
@@ -5911,7 +8106,7 @@
 </p:sld>
 </file>
 
-<file path=ppt/slides/slide7.xml><?xml version="1.0" encoding="utf-8"?>
+<file path=ppt/slides/slide9.xml><?xml version="1.0" encoding="utf-8"?>
 <p:sld xmlns:a="http://schemas.openxmlformats.org/drawingml/2006/main" xmlns:r="http://schemas.openxmlformats.org/officeDocument/2006/relationships" xmlns:p="http://schemas.openxmlformats.org/presentationml/2006/main">
   <p:cSld>
     <p:bg>
@@ -6060,318 +8255,6 @@
     <p:extLst>
       <p:ext uri="{BB962C8B-B14F-4D97-AF65-F5344CB8AC3E}">
         <p14:creationId xmlns:p14="http://schemas.microsoft.com/office/powerpoint/2010/main" val="3360350230"/>
-      </p:ext>
-    </p:extLst>
-  </p:cSld>
-  <p:clrMapOvr>
-    <a:masterClrMapping/>
-  </p:clrMapOvr>
-</p:sld>
-</file>
-
-<file path=ppt/slides/slide8.xml><?xml version="1.0" encoding="utf-8"?>
-<p:sld xmlns:a="http://schemas.openxmlformats.org/drawingml/2006/main" xmlns:r="http://schemas.openxmlformats.org/officeDocument/2006/relationships" xmlns:p="http://schemas.openxmlformats.org/presentationml/2006/main">
-  <p:cSld>
-    <p:bg>
-      <p:bgPr>
-        <a:solidFill>
-          <a:srgbClr val="0072C6"/>
-        </a:solidFill>
-        <a:effectLst/>
-      </p:bgPr>
-    </p:bg>
-    <p:spTree>
-      <p:nvGrpSpPr>
-        <p:cNvPr id="1" name=""/>
-        <p:cNvGrpSpPr/>
-        <p:nvPr/>
-      </p:nvGrpSpPr>
-      <p:grpSpPr>
-        <a:xfrm>
-          <a:off x="0" y="0"/>
-          <a:ext cx="0" cy="0"/>
-          <a:chOff x="0" y="0"/>
-          <a:chExt cx="0" cy="0"/>
-        </a:xfrm>
-      </p:grpSpPr>
-      <p:sp>
-        <p:nvSpPr>
-          <p:cNvPr id="2" name="Title 1"/>
-          <p:cNvSpPr>
-            <a:spLocks noGrp="1"/>
-          </p:cNvSpPr>
-          <p:nvPr>
-            <p:ph type="title"/>
-          </p:nvPr>
-        </p:nvSpPr>
-        <p:spPr>
-          <a:xfrm>
-            <a:off x="2043953" y="284176"/>
-            <a:ext cx="8943046" cy="1508760"/>
-          </a:xfrm>
-        </p:spPr>
-        <p:txBody>
-          <a:bodyPr/>
-          <a:lstStyle/>
-          <a:p>
-            <a:r>
-              <a:rPr lang="en-GB" dirty="0"/>
-              <a:t>recurrence</a:t>
-            </a:r>
-          </a:p>
-        </p:txBody>
-      </p:sp>
-      <p:sp>
-        <p:nvSpPr>
-          <p:cNvPr id="3" name="Content Placeholder 2"/>
-          <p:cNvSpPr>
-            <a:spLocks noGrp="1"/>
-          </p:cNvSpPr>
-          <p:nvPr>
-            <p:ph idx="1"/>
-          </p:nvPr>
-        </p:nvSpPr>
-        <p:spPr>
-          <a:xfrm>
-            <a:off x="346841" y="2011679"/>
-            <a:ext cx="11582400" cy="4483713"/>
-          </a:xfrm>
-        </p:spPr>
-        <p:txBody>
-          <a:bodyPr>
-            <a:normAutofit/>
-          </a:bodyPr>
-          <a:lstStyle/>
-          <a:p>
-            <a:r>
-              <a:rPr lang="en-GB" sz="3600" dirty="0"/>
-              <a:t>Recurring tasks should be in a module</a:t>
-            </a:r>
-          </a:p>
-          <a:p>
-            <a:endParaRPr lang="en-GB" sz="3600" dirty="0"/>
-          </a:p>
-          <a:p>
-            <a:pPr marL="0" indent="0">
-              <a:buNone/>
-            </a:pPr>
-            <a:r>
-              <a:rPr lang="en-GB" sz="3600" dirty="0"/>
-              <a:t>Ongoing discussions with leaders from all groups around co-ordinating activities under one organisation, but remaining locally independent</a:t>
-            </a:r>
-          </a:p>
-        </p:txBody>
-      </p:sp>
-      <p:pic>
-        <p:nvPicPr>
-          <p:cNvPr id="4" name="Picture 2" descr="https://www.powershellgallery.com/Content/Images/packageDefaultIcon.png"/>
-          <p:cNvPicPr>
-            <a:picLocks noChangeAspect="1" noChangeArrowheads="1"/>
-          </p:cNvPicPr>
-          <p:nvPr/>
-        </p:nvPicPr>
-        <p:blipFill>
-          <a:blip r:embed="rId2">
-            <a:extLst>
-              <a:ext uri="{28A0092B-C50C-407E-A947-70E740481C1C}">
-                <a14:useLocalDpi xmlns:a14="http://schemas.microsoft.com/office/drawing/2010/main" val="0"/>
-              </a:ext>
-            </a:extLst>
-          </a:blip>
-          <a:srcRect/>
-          <a:stretch>
-            <a:fillRect/>
-          </a:stretch>
-        </p:blipFill>
-        <p:spPr bwMode="auto">
-          <a:xfrm>
-            <a:off x="83856" y="61397"/>
-            <a:ext cx="1731538" cy="1731539"/>
-          </a:xfrm>
-          <a:prstGeom prst="rect">
-            <a:avLst/>
-          </a:prstGeom>
-          <a:noFill/>
-          <a:extLst>
-            <a:ext uri="{909E8E84-426E-40DD-AFC4-6F175D3DCCD1}">
-              <a14:hiddenFill xmlns:a14="http://schemas.microsoft.com/office/drawing/2010/main">
-                <a:solidFill>
-                  <a:srgbClr val="FFFFFF"/>
-                </a:solidFill>
-              </a14:hiddenFill>
-            </a:ext>
-          </a:extLst>
-        </p:spPr>
-      </p:pic>
-    </p:spTree>
-    <p:extLst>
-      <p:ext uri="{BB962C8B-B14F-4D97-AF65-F5344CB8AC3E}">
-        <p14:creationId xmlns:p14="http://schemas.microsoft.com/office/powerpoint/2010/main" val="3194991233"/>
-      </p:ext>
-    </p:extLst>
-  </p:cSld>
-  <p:clrMapOvr>
-    <a:masterClrMapping/>
-  </p:clrMapOvr>
-</p:sld>
-</file>
-
-<file path=ppt/slides/slide9.xml><?xml version="1.0" encoding="utf-8"?>
-<p:sld xmlns:a="http://schemas.openxmlformats.org/drawingml/2006/main" xmlns:r="http://schemas.openxmlformats.org/officeDocument/2006/relationships" xmlns:p="http://schemas.openxmlformats.org/presentationml/2006/main">
-  <p:cSld>
-    <p:bg>
-      <p:bgPr>
-        <a:solidFill>
-          <a:srgbClr val="0072C6"/>
-        </a:solidFill>
-        <a:effectLst/>
-      </p:bgPr>
-    </p:bg>
-    <p:spTree>
-      <p:nvGrpSpPr>
-        <p:cNvPr id="1" name=""/>
-        <p:cNvGrpSpPr/>
-        <p:nvPr/>
-      </p:nvGrpSpPr>
-      <p:grpSpPr>
-        <a:xfrm>
-          <a:off x="0" y="0"/>
-          <a:ext cx="0" cy="0"/>
-          <a:chOff x="0" y="0"/>
-          <a:chExt cx="0" cy="0"/>
-        </a:xfrm>
-      </p:grpSpPr>
-      <p:sp>
-        <p:nvSpPr>
-          <p:cNvPr id="2" name="Title 1"/>
-          <p:cNvSpPr>
-            <a:spLocks noGrp="1"/>
-          </p:cNvSpPr>
-          <p:nvPr>
-            <p:ph type="title"/>
-          </p:nvPr>
-        </p:nvSpPr>
-        <p:spPr>
-          <a:xfrm>
-            <a:off x="2043953" y="284176"/>
-            <a:ext cx="8943046" cy="1508760"/>
-          </a:xfrm>
-        </p:spPr>
-        <p:txBody>
-          <a:bodyPr/>
-          <a:lstStyle/>
-          <a:p>
-            <a:r>
-              <a:rPr lang="en-GB" dirty="0"/>
-              <a:t>Why use modules?</a:t>
-            </a:r>
-          </a:p>
-        </p:txBody>
-      </p:sp>
-      <p:sp>
-        <p:nvSpPr>
-          <p:cNvPr id="3" name="Content Placeholder 2"/>
-          <p:cNvSpPr>
-            <a:spLocks noGrp="1"/>
-          </p:cNvSpPr>
-          <p:nvPr>
-            <p:ph idx="1"/>
-          </p:nvPr>
-        </p:nvSpPr>
-        <p:spPr>
-          <a:xfrm>
-            <a:off x="346841" y="2011679"/>
-            <a:ext cx="11582400" cy="4483713"/>
-          </a:xfrm>
-        </p:spPr>
-        <p:txBody>
-          <a:bodyPr>
-            <a:normAutofit/>
-          </a:bodyPr>
-          <a:lstStyle/>
-          <a:p>
-            <a:r>
-              <a:rPr lang="en-GB" sz="3400" b="1" strike="sngStrike" dirty="0"/>
-              <a:t>Sponsor</a:t>
-            </a:r>
-            <a:r>
-              <a:rPr lang="en-GB" sz="3400" b="1" dirty="0"/>
-              <a:t> – we have one!</a:t>
-            </a:r>
-          </a:p>
-          <a:p>
-            <a:pPr lvl="1"/>
-            <a:r>
-              <a:rPr lang="en-GB" sz="3200" b="1" dirty="0"/>
-              <a:t>Without one it will cost around £150 to host each meetup</a:t>
-            </a:r>
-          </a:p>
-          <a:p>
-            <a:r>
-              <a:rPr lang="en-GB" sz="3400" b="1" dirty="0"/>
-              <a:t>Speakers</a:t>
-            </a:r>
-          </a:p>
-          <a:p>
-            <a:pPr lvl="1"/>
-            <a:r>
-              <a:rPr lang="en-GB" sz="3200" b="1" dirty="0"/>
-              <a:t>Some lined up, discussions ongoing</a:t>
-            </a:r>
-          </a:p>
-          <a:p>
-            <a:r>
-              <a:rPr lang="en-GB" sz="3400" b="1" dirty="0"/>
-              <a:t>At least one person, ideally two, to help me run the group</a:t>
-            </a:r>
-          </a:p>
-        </p:txBody>
-      </p:sp>
-      <p:pic>
-        <p:nvPicPr>
-          <p:cNvPr id="4" name="Picture 2" descr="https://www.powershellgallery.com/Content/Images/packageDefaultIcon.png"/>
-          <p:cNvPicPr>
-            <a:picLocks noChangeAspect="1" noChangeArrowheads="1"/>
-          </p:cNvPicPr>
-          <p:nvPr/>
-        </p:nvPicPr>
-        <p:blipFill>
-          <a:blip r:embed="rId2">
-            <a:extLst>
-              <a:ext uri="{28A0092B-C50C-407E-A947-70E740481C1C}">
-                <a14:useLocalDpi xmlns:a14="http://schemas.microsoft.com/office/drawing/2010/main" val="0"/>
-              </a:ext>
-            </a:extLst>
-          </a:blip>
-          <a:srcRect/>
-          <a:stretch>
-            <a:fillRect/>
-          </a:stretch>
-        </p:blipFill>
-        <p:spPr bwMode="auto">
-          <a:xfrm>
-            <a:off x="83856" y="61397"/>
-            <a:ext cx="1731538" cy="1731539"/>
-          </a:xfrm>
-          <a:prstGeom prst="rect">
-            <a:avLst/>
-          </a:prstGeom>
-          <a:noFill/>
-          <a:extLst>
-            <a:ext uri="{909E8E84-426E-40DD-AFC4-6F175D3DCCD1}">
-              <a14:hiddenFill xmlns:a14="http://schemas.microsoft.com/office/drawing/2010/main">
-                <a:solidFill>
-                  <a:srgbClr val="FFFFFF"/>
-                </a:solidFill>
-              </a14:hiddenFill>
-            </a:ext>
-          </a:extLst>
-        </p:spPr>
-      </p:pic>
-    </p:spTree>
-    <p:extLst>
-      <p:ext uri="{BB962C8B-B14F-4D97-AF65-F5344CB8AC3E}">
-        <p14:creationId xmlns:p14="http://schemas.microsoft.com/office/powerpoint/2010/main" val="3074647097"/>
       </p:ext>
     </p:extLst>
   </p:cSld>
